--- a/clases/Cap08_Segmentacion/presentations/IMG08_EdgeDetection_Canny.pptx
+++ b/clases/Cap08_Segmentacion/presentations/IMG08_EdgeDetection_Canny.pptx
@@ -245,7 +245,7 @@
           <a:p>
             <a:fld id="{678C770B-B503-C841-A55C-00AF9EBD4322}" type="datetimeFigureOut">
               <a:rPr lang="en-US" smtClean="0"/>
-              <a:t>7/26/19</a:t>
+              <a:t>10/14/19</a:t>
             </a:fld>
             <a:endParaRPr lang="en-US"/>
           </a:p>
@@ -3517,7 +3517,7 @@
           <a:p>
             <a:fld id="{2D6C505C-4733-2D4D-B465-C1E86A553F67}" type="datetimeFigureOut">
               <a:rPr lang="en-US" smtClean="0"/>
-              <a:t>7/26/19</a:t>
+              <a:t>10/14/19</a:t>
             </a:fld>
             <a:endParaRPr lang="en-US"/>
           </a:p>
@@ -3687,7 +3687,7 @@
           <a:p>
             <a:fld id="{2D6C505C-4733-2D4D-B465-C1E86A553F67}" type="datetimeFigureOut">
               <a:rPr lang="en-US" smtClean="0"/>
-              <a:t>7/26/19</a:t>
+              <a:t>10/14/19</a:t>
             </a:fld>
             <a:endParaRPr lang="en-US"/>
           </a:p>
@@ -3867,7 +3867,7 @@
           <a:p>
             <a:fld id="{2D6C505C-4733-2D4D-B465-C1E86A553F67}" type="datetimeFigureOut">
               <a:rPr lang="en-US" smtClean="0"/>
-              <a:t>7/26/19</a:t>
+              <a:t>10/14/19</a:t>
             </a:fld>
             <a:endParaRPr lang="en-US"/>
           </a:p>
@@ -4037,7 +4037,7 @@
           <a:p>
             <a:fld id="{2D6C505C-4733-2D4D-B465-C1E86A553F67}" type="datetimeFigureOut">
               <a:rPr lang="en-US" smtClean="0"/>
-              <a:t>7/26/19</a:t>
+              <a:t>10/14/19</a:t>
             </a:fld>
             <a:endParaRPr lang="en-US"/>
           </a:p>
@@ -4283,7 +4283,7 @@
           <a:p>
             <a:fld id="{2D6C505C-4733-2D4D-B465-C1E86A553F67}" type="datetimeFigureOut">
               <a:rPr lang="en-US" smtClean="0"/>
-              <a:t>7/26/19</a:t>
+              <a:t>10/14/19</a:t>
             </a:fld>
             <a:endParaRPr lang="en-US"/>
           </a:p>
@@ -4571,7 +4571,7 @@
           <a:p>
             <a:fld id="{2D6C505C-4733-2D4D-B465-C1E86A553F67}" type="datetimeFigureOut">
               <a:rPr lang="en-US" smtClean="0"/>
-              <a:t>7/26/19</a:t>
+              <a:t>10/14/19</a:t>
             </a:fld>
             <a:endParaRPr lang="en-US"/>
           </a:p>
@@ -4993,7 +4993,7 @@
           <a:p>
             <a:fld id="{2D6C505C-4733-2D4D-B465-C1E86A553F67}" type="datetimeFigureOut">
               <a:rPr lang="en-US" smtClean="0"/>
-              <a:t>7/26/19</a:t>
+              <a:t>10/14/19</a:t>
             </a:fld>
             <a:endParaRPr lang="en-US"/>
           </a:p>
@@ -5111,7 +5111,7 @@
           <a:p>
             <a:fld id="{2D6C505C-4733-2D4D-B465-C1E86A553F67}" type="datetimeFigureOut">
               <a:rPr lang="en-US" smtClean="0"/>
-              <a:t>7/26/19</a:t>
+              <a:t>10/14/19</a:t>
             </a:fld>
             <a:endParaRPr lang="en-US"/>
           </a:p>
@@ -5206,7 +5206,7 @@
           <a:p>
             <a:fld id="{2D6C505C-4733-2D4D-B465-C1E86A553F67}" type="datetimeFigureOut">
               <a:rPr lang="en-US" smtClean="0"/>
-              <a:t>7/26/19</a:t>
+              <a:t>10/14/19</a:t>
             </a:fld>
             <a:endParaRPr lang="en-US"/>
           </a:p>
@@ -5483,7 +5483,7 @@
           <a:p>
             <a:fld id="{2D6C505C-4733-2D4D-B465-C1E86A553F67}" type="datetimeFigureOut">
               <a:rPr lang="en-US" smtClean="0"/>
-              <a:t>7/26/19</a:t>
+              <a:t>10/14/19</a:t>
             </a:fld>
             <a:endParaRPr lang="en-US"/>
           </a:p>
@@ -5736,7 +5736,7 @@
           <a:p>
             <a:fld id="{2D6C505C-4733-2D4D-B465-C1E86A553F67}" type="datetimeFigureOut">
               <a:rPr lang="en-US" smtClean="0"/>
-              <a:t>7/26/19</a:t>
+              <a:t>10/14/19</a:t>
             </a:fld>
             <a:endParaRPr lang="en-US"/>
           </a:p>
@@ -5949,7 +5949,7 @@
           <a:p>
             <a:fld id="{2D6C505C-4733-2D4D-B465-C1E86A553F67}" type="datetimeFigureOut">
               <a:rPr lang="en-US" smtClean="0"/>
-              <a:t>7/26/19</a:t>
+              <a:t>10/14/19</a:t>
             </a:fld>
             <a:endParaRPr lang="en-US"/>
           </a:p>
@@ -7716,7 +7716,7 @@
           <a:graphicData uri="http://schemas.openxmlformats.org/presentationml/2006/ole">
             <mc:AlternateContent xmlns:mc="http://schemas.openxmlformats.org/markup-compatibility/2006">
               <mc:Choice xmlns:v="urn:schemas-microsoft-com:vml" Requires="v">
-                <p:oleObj spid="_x0000_s22536" name="Photo Editor Photo" r:id="rId5" imgW="5885714" imgH="2219635" progId="MSPhotoEd.3">
+                <p:oleObj spid="_x0000_s22538" name="Photo Editor Photo" r:id="rId5" imgW="5885714" imgH="2219635" progId="MSPhotoEd.3">
                   <p:embed/>
                 </p:oleObj>
               </mc:Choice>
@@ -7811,7 +7811,7 @@
           <a:graphicData uri="http://schemas.openxmlformats.org/presentationml/2006/ole">
             <mc:AlternateContent xmlns:mc="http://schemas.openxmlformats.org/markup-compatibility/2006">
               <mc:Choice xmlns:v="urn:schemas-microsoft-com:vml" Requires="v">
-                <p:oleObj spid="_x0000_s22537" name="Photo Editor Photo" r:id="rId7" imgW="5915851" imgH="2029108" progId="MSPhotoEd.3">
+                <p:oleObj spid="_x0000_s22539" name="Photo Editor Photo" r:id="rId7" imgW="5915851" imgH="2029108" progId="MSPhotoEd.3">
                   <p:embed/>
                 </p:oleObj>
               </mc:Choice>
@@ -8471,7 +8471,7 @@
           <a:graphicData uri="http://schemas.openxmlformats.org/presentationml/2006/ole">
             <mc:AlternateContent xmlns:mc="http://schemas.openxmlformats.org/markup-compatibility/2006">
               <mc:Choice xmlns:v="urn:schemas-microsoft-com:vml" Requires="v">
-                <p:oleObj spid="_x0000_s23557" name="Photo Editor Photo" r:id="rId8" imgW="6419048" imgH="5285714" progId="MSPhotoEd.3">
+                <p:oleObj spid="_x0000_s23558" name="Photo Editor Photo" r:id="rId8" imgW="6419048" imgH="5285714" progId="MSPhotoEd.3">
                   <p:embed/>
                 </p:oleObj>
               </mc:Choice>
@@ -9222,7 +9222,7 @@
           <a:graphicData uri="http://schemas.openxmlformats.org/presentationml/2006/ole">
             <mc:AlternateContent xmlns:mc="http://schemas.openxmlformats.org/markup-compatibility/2006">
               <mc:Choice xmlns:v="urn:schemas-microsoft-com:vml" Requires="v">
-                <p:oleObj spid="_x0000_s24581" name="Photo Editor Photo" r:id="rId7" imgW="6001588" imgH="4847619" progId="MSPhotoEd.3">
+                <p:oleObj spid="_x0000_s24582" name="Photo Editor Photo" r:id="rId7" imgW="6001588" imgH="4847619" progId="MSPhotoEd.3">
                   <p:embed/>
                 </p:oleObj>
               </mc:Choice>
@@ -9738,7 +9738,7 @@
           <a:graphicData uri="http://schemas.openxmlformats.org/presentationml/2006/ole">
             <mc:AlternateContent xmlns:mc="http://schemas.openxmlformats.org/markup-compatibility/2006">
               <mc:Choice xmlns:v="urn:schemas-microsoft-com:vml" Requires="v">
-                <p:oleObj spid="_x0000_s25605" name="Photo Editor Photo" r:id="rId7" imgW="6125430" imgH="4971429" progId="MSPhotoEd.3">
+                <p:oleObj spid="_x0000_s25606" name="Photo Editor Photo" r:id="rId7" imgW="6125430" imgH="4971429" progId="MSPhotoEd.3">
                   <p:embed/>
                 </p:oleObj>
               </mc:Choice>
@@ -10693,7 +10693,7 @@
           <a:graphicData uri="http://schemas.openxmlformats.org/presentationml/2006/ole">
             <mc:AlternateContent xmlns:mc="http://schemas.openxmlformats.org/markup-compatibility/2006">
               <mc:Choice xmlns:v="urn:schemas-microsoft-com:vml" Requires="v">
-                <p:oleObj spid="_x0000_s26635" name="Photo Editor Photo" r:id="rId8" imgW="4133333" imgH="2905531" progId="MSPhotoEd.3">
+                <p:oleObj spid="_x0000_s26638" name="Photo Editor Photo" r:id="rId8" imgW="4133333" imgH="2905531" progId="MSPhotoEd.3">
                   <p:embed/>
                 </p:oleObj>
               </mc:Choice>
@@ -10788,7 +10788,7 @@
           <a:graphicData uri="http://schemas.openxmlformats.org/presentationml/2006/ole">
             <mc:AlternateContent xmlns:mc="http://schemas.openxmlformats.org/markup-compatibility/2006">
               <mc:Choice xmlns:v="urn:schemas-microsoft-com:vml" Requires="v">
-                <p:oleObj spid="_x0000_s26636" name="Photo Editor Photo" r:id="rId10" imgW="6001588" imgH="2629267" progId="MSPhotoEd.3">
+                <p:oleObj spid="_x0000_s26639" name="Photo Editor Photo" r:id="rId10" imgW="6001588" imgH="2629267" progId="MSPhotoEd.3">
                   <p:embed/>
                 </p:oleObj>
               </mc:Choice>
@@ -10883,7 +10883,7 @@
           <a:graphicData uri="http://schemas.openxmlformats.org/presentationml/2006/ole">
             <mc:AlternateContent xmlns:mc="http://schemas.openxmlformats.org/markup-compatibility/2006">
               <mc:Choice xmlns:v="urn:schemas-microsoft-com:vml" Requires="v">
-                <p:oleObj spid="_x0000_s26637" name="Photo Editor Photo" r:id="rId12" imgW="2600000" imgH="2638095" progId="MSPhotoEd.3">
+                <p:oleObj spid="_x0000_s26640" name="Photo Editor Photo" r:id="rId12" imgW="2600000" imgH="2638095" progId="MSPhotoEd.3">
                   <p:embed/>
                 </p:oleObj>
               </mc:Choice>
@@ -11820,7 +11820,7 @@
           <a:graphicData uri="http://schemas.openxmlformats.org/presentationml/2006/ole">
             <mc:AlternateContent xmlns:mc="http://schemas.openxmlformats.org/markup-compatibility/2006">
               <mc:Choice xmlns:v="urn:schemas-microsoft-com:vml" Requires="v">
-                <p:oleObj spid="_x0000_s27659" name="Equation" r:id="rId4" imgW="660240" imgH="228600" progId="Equation.3">
+                <p:oleObj spid="_x0000_s27662" name="Equation" r:id="rId4" imgW="660240" imgH="228600" progId="Equation.3">
                   <p:embed/>
                 </p:oleObj>
               </mc:Choice>
@@ -11863,14 +11863,14 @@
                       <a:effectLst/>
                       <a:extLst>
                         <a:ext uri="{909E8E84-426E-40dd-AFC4-6F175D3DCCD1}">
-                          <a14:hiddenFill xmlns:a14="http://schemas.microsoft.com/office/drawing/2010/main" xmlns="">
+                          <a14:hiddenFill xmlns="" xmlns:a14="http://schemas.microsoft.com/office/drawing/2010/main">
                             <a:solidFill>
                               <a:schemeClr val="accent1"/>
                             </a:solidFill>
                           </a14:hiddenFill>
                         </a:ext>
                         <a:ext uri="{91240B29-F687-4f45-9708-019B960494DF}">
-                          <a14:hiddenLine xmlns:a14="http://schemas.microsoft.com/office/drawing/2010/main" xmlns="" w="9525">
+                          <a14:hiddenLine xmlns="" xmlns:a14="http://schemas.microsoft.com/office/drawing/2010/main" w="9525">
                             <a:solidFill>
                               <a:schemeClr val="tx1"/>
                             </a:solidFill>
@@ -11880,7 +11880,7 @@
                           </a14:hiddenLine>
                         </a:ext>
                         <a:ext uri="{AF507438-7753-43e0-B8FC-AC1667EBCBE1}">
-                          <a14:hiddenEffects xmlns:a14="http://schemas.microsoft.com/office/drawing/2010/main" xmlns="">
+                          <a14:hiddenEffects xmlns="" xmlns:a14="http://schemas.microsoft.com/office/drawing/2010/main">
                             <a:effectLst>
                               <a:outerShdw blurRad="63500" dist="38099" dir="2700000" algn="ctr" rotWithShape="0">
                                 <a:schemeClr val="bg2">
@@ -11915,7 +11915,7 @@
           <a:graphicData uri="http://schemas.openxmlformats.org/presentationml/2006/ole">
             <mc:AlternateContent xmlns:mc="http://schemas.openxmlformats.org/markup-compatibility/2006">
               <mc:Choice xmlns:v="urn:schemas-microsoft-com:vml" Requires="v">
-                <p:oleObj spid="_x0000_s27660" name="Equation" r:id="rId6" imgW="1206360" imgH="482400" progId="Equation.3">
+                <p:oleObj spid="_x0000_s27663" name="Equation" r:id="rId6" imgW="1206360" imgH="482400" progId="Equation.3">
                   <p:embed/>
                 </p:oleObj>
               </mc:Choice>
@@ -11958,14 +11958,14 @@
                       <a:effectLst/>
                       <a:extLst>
                         <a:ext uri="{909E8E84-426E-40dd-AFC4-6F175D3DCCD1}">
-                          <a14:hiddenFill xmlns:a14="http://schemas.microsoft.com/office/drawing/2010/main" xmlns="">
+                          <a14:hiddenFill xmlns="" xmlns:a14="http://schemas.microsoft.com/office/drawing/2010/main">
                             <a:solidFill>
                               <a:schemeClr val="accent1"/>
                             </a:solidFill>
                           </a14:hiddenFill>
                         </a:ext>
                         <a:ext uri="{91240B29-F687-4f45-9708-019B960494DF}">
-                          <a14:hiddenLine xmlns:a14="http://schemas.microsoft.com/office/drawing/2010/main" xmlns="" w="9525">
+                          <a14:hiddenLine xmlns="" xmlns:a14="http://schemas.microsoft.com/office/drawing/2010/main" w="9525">
                             <a:solidFill>
                               <a:schemeClr val="tx1"/>
                             </a:solidFill>
@@ -11975,7 +11975,7 @@
                           </a14:hiddenLine>
                         </a:ext>
                         <a:ext uri="{AF507438-7753-43e0-B8FC-AC1667EBCBE1}">
-                          <a14:hiddenEffects xmlns:a14="http://schemas.microsoft.com/office/drawing/2010/main" xmlns="">
+                          <a14:hiddenEffects xmlns="" xmlns:a14="http://schemas.microsoft.com/office/drawing/2010/main">
                             <a:effectLst>
                               <a:outerShdw blurRad="63500" dist="38099" dir="2700000" algn="ctr" rotWithShape="0">
                                 <a:schemeClr val="bg2">
@@ -12010,7 +12010,7 @@
           <a:graphicData uri="http://schemas.openxmlformats.org/presentationml/2006/ole">
             <mc:AlternateContent xmlns:mc="http://schemas.openxmlformats.org/markup-compatibility/2006">
               <mc:Choice xmlns:v="urn:schemas-microsoft-com:vml" Requires="v">
-                <p:oleObj spid="_x0000_s27661" name="Equation" r:id="rId8" imgW="1219200" imgH="444500" progId="Equation.3">
+                <p:oleObj spid="_x0000_s27664" name="Equation" r:id="rId8" imgW="1219200" imgH="444500" progId="Equation.3">
                   <p:embed/>
                 </p:oleObj>
               </mc:Choice>
@@ -12047,14 +12047,14 @@
                       <a:effectLst/>
                       <a:extLst>
                         <a:ext uri="{909E8E84-426E-40dd-AFC4-6F175D3DCCD1}">
-                          <a14:hiddenFill xmlns:a14="http://schemas.microsoft.com/office/drawing/2010/main" xmlns="">
+                          <a14:hiddenFill xmlns="" xmlns:a14="http://schemas.microsoft.com/office/drawing/2010/main">
                             <a:solidFill>
                               <a:schemeClr val="accent1"/>
                             </a:solidFill>
                           </a14:hiddenFill>
                         </a:ext>
                         <a:ext uri="{91240B29-F687-4f45-9708-019B960494DF}">
-                          <a14:hiddenLine xmlns:a14="http://schemas.microsoft.com/office/drawing/2010/main" xmlns="" w="9525">
+                          <a14:hiddenLine xmlns="" xmlns:a14="http://schemas.microsoft.com/office/drawing/2010/main" w="9525">
                             <a:solidFill>
                               <a:schemeClr val="tx1"/>
                             </a:solidFill>
@@ -12064,7 +12064,7 @@
                           </a14:hiddenLine>
                         </a:ext>
                         <a:ext uri="{AF507438-7753-43e0-B8FC-AC1667EBCBE1}">
-                          <a14:hiddenEffects xmlns:a14="http://schemas.microsoft.com/office/drawing/2010/main" xmlns="">
+                          <a14:hiddenEffects xmlns="" xmlns:a14="http://schemas.microsoft.com/office/drawing/2010/main">
                             <a:effectLst>
                               <a:outerShdw blurRad="63500" dist="38099" dir="2700000" algn="ctr" rotWithShape="0">
                                 <a:schemeClr val="bg2">
@@ -12129,7 +12129,7 @@
           <a:graphicData uri="http://schemas.openxmlformats.org/presentationml/2006/ole">
             <mc:AlternateContent xmlns:mc="http://schemas.openxmlformats.org/markup-compatibility/2006">
               <mc:Choice xmlns:v="urn:schemas-microsoft-com:vml" Requires="v">
-                <p:oleObj spid="_x0000_s28680" name="Equation" r:id="rId4" imgW="1765300" imgH="254000" progId="Equation.3">
+                <p:oleObj spid="_x0000_s28682" name="Equation" r:id="rId4" imgW="1765300" imgH="254000" progId="Equation.3">
                   <p:embed/>
                 </p:oleObj>
               </mc:Choice>
@@ -12166,14 +12166,14 @@
                       <a:effectLst/>
                       <a:extLst>
                         <a:ext uri="{909E8E84-426E-40dd-AFC4-6F175D3DCCD1}">
-                          <a14:hiddenFill xmlns:a14="http://schemas.microsoft.com/office/drawing/2010/main" xmlns="">
+                          <a14:hiddenFill xmlns="" xmlns:a14="http://schemas.microsoft.com/office/drawing/2010/main">
                             <a:solidFill>
                               <a:schemeClr val="accent1"/>
                             </a:solidFill>
                           </a14:hiddenFill>
                         </a:ext>
                         <a:ext uri="{91240B29-F687-4f45-9708-019B960494DF}">
-                          <a14:hiddenLine xmlns:a14="http://schemas.microsoft.com/office/drawing/2010/main" xmlns="" w="9525">
+                          <a14:hiddenLine xmlns="" xmlns:a14="http://schemas.microsoft.com/office/drawing/2010/main" w="9525">
                             <a:solidFill>
                               <a:schemeClr val="tx1"/>
                             </a:solidFill>
@@ -12183,7 +12183,7 @@
                           </a14:hiddenLine>
                         </a:ext>
                         <a:ext uri="{AF507438-7753-43e0-B8FC-AC1667EBCBE1}">
-                          <a14:hiddenEffects xmlns:a14="http://schemas.microsoft.com/office/drawing/2010/main" xmlns="">
+                          <a14:hiddenEffects xmlns="" xmlns:a14="http://schemas.microsoft.com/office/drawing/2010/main">
                             <a:effectLst>
                               <a:outerShdw blurRad="63500" dist="38099" dir="2700000" algn="ctr" rotWithShape="0">
                                 <a:schemeClr val="bg2">
@@ -12218,7 +12218,7 @@
           <a:graphicData uri="http://schemas.openxmlformats.org/presentationml/2006/ole">
             <mc:AlternateContent xmlns:mc="http://schemas.openxmlformats.org/markup-compatibility/2006">
               <mc:Choice xmlns:v="urn:schemas-microsoft-com:vml" Requires="v">
-                <p:oleObj spid="_x0000_s28681" name="Equation" r:id="rId6" imgW="2260600" imgH="495300" progId="Equation.3">
+                <p:oleObj spid="_x0000_s28683" name="Equation" r:id="rId6" imgW="2260600" imgH="495300" progId="Equation.3">
                   <p:embed/>
                 </p:oleObj>
               </mc:Choice>
@@ -12255,14 +12255,14 @@
                       <a:effectLst/>
                       <a:extLst>
                         <a:ext uri="{909E8E84-426E-40dd-AFC4-6F175D3DCCD1}">
-                          <a14:hiddenFill xmlns:a14="http://schemas.microsoft.com/office/drawing/2010/main" xmlns="">
+                          <a14:hiddenFill xmlns="" xmlns:a14="http://schemas.microsoft.com/office/drawing/2010/main">
                             <a:solidFill>
                               <a:schemeClr val="accent1"/>
                             </a:solidFill>
                           </a14:hiddenFill>
                         </a:ext>
                         <a:ext uri="{91240B29-F687-4f45-9708-019B960494DF}">
-                          <a14:hiddenLine xmlns:a14="http://schemas.microsoft.com/office/drawing/2010/main" xmlns="" w="9525">
+                          <a14:hiddenLine xmlns="" xmlns:a14="http://schemas.microsoft.com/office/drawing/2010/main" w="9525">
                             <a:solidFill>
                               <a:schemeClr val="tx1"/>
                             </a:solidFill>
@@ -12272,7 +12272,7 @@
                           </a14:hiddenLine>
                         </a:ext>
                         <a:ext uri="{AF507438-7753-43e0-B8FC-AC1667EBCBE1}">
-                          <a14:hiddenEffects xmlns:a14="http://schemas.microsoft.com/office/drawing/2010/main" xmlns="">
+                          <a14:hiddenEffects xmlns="" xmlns:a14="http://schemas.microsoft.com/office/drawing/2010/main">
                             <a:effectLst>
                               <a:outerShdw blurRad="63500" dist="38099" dir="2700000" algn="ctr" rotWithShape="0">
                                 <a:schemeClr val="bg2">
@@ -12403,7 +12403,7 @@
           <a:graphicData uri="http://schemas.openxmlformats.org/presentationml/2006/ole">
             <mc:AlternateContent xmlns:mc="http://schemas.openxmlformats.org/markup-compatibility/2006">
               <mc:Choice xmlns:v="urn:schemas-microsoft-com:vml" Requires="v">
-                <p:oleObj spid="_x0000_s29704" name="Equation" r:id="rId4" imgW="2260600" imgH="495300" progId="Equation.3">
+                <p:oleObj spid="_x0000_s29706" name="Equation" r:id="rId4" imgW="2260600" imgH="495300" progId="Equation.3">
                   <p:embed/>
                 </p:oleObj>
               </mc:Choice>
@@ -12440,14 +12440,14 @@
                       <a:effectLst/>
                       <a:extLst>
                         <a:ext uri="{909E8E84-426E-40dd-AFC4-6F175D3DCCD1}">
-                          <a14:hiddenFill xmlns:a14="http://schemas.microsoft.com/office/drawing/2010/main" xmlns="">
+                          <a14:hiddenFill xmlns="" xmlns:a14="http://schemas.microsoft.com/office/drawing/2010/main">
                             <a:solidFill>
                               <a:schemeClr val="accent1"/>
                             </a:solidFill>
                           </a14:hiddenFill>
                         </a:ext>
                         <a:ext uri="{91240B29-F687-4f45-9708-019B960494DF}">
-                          <a14:hiddenLine xmlns:a14="http://schemas.microsoft.com/office/drawing/2010/main" xmlns="" w="9525">
+                          <a14:hiddenLine xmlns="" xmlns:a14="http://schemas.microsoft.com/office/drawing/2010/main" w="9525">
                             <a:solidFill>
                               <a:schemeClr val="tx1"/>
                             </a:solidFill>
@@ -12457,7 +12457,7 @@
                           </a14:hiddenLine>
                         </a:ext>
                         <a:ext uri="{AF507438-7753-43e0-B8FC-AC1667EBCBE1}">
-                          <a14:hiddenEffects xmlns:a14="http://schemas.microsoft.com/office/drawing/2010/main" xmlns="">
+                          <a14:hiddenEffects xmlns="" xmlns:a14="http://schemas.microsoft.com/office/drawing/2010/main">
                             <a:effectLst>
                               <a:outerShdw blurRad="63500" dist="38099" dir="2700000" algn="ctr" rotWithShape="0">
                                 <a:schemeClr val="bg2">
@@ -12492,7 +12492,7 @@
           <a:graphicData uri="http://schemas.openxmlformats.org/presentationml/2006/ole">
             <mc:AlternateContent xmlns:mc="http://schemas.openxmlformats.org/markup-compatibility/2006">
               <mc:Choice xmlns:v="urn:schemas-microsoft-com:vml" Requires="v">
-                <p:oleObj spid="_x0000_s29705" name="Worksheet" r:id="rId6" imgW="4277101" imgH="1143305" progId="Excel.Sheet.8">
+                <p:oleObj spid="_x0000_s29707" name="Worksheet" r:id="rId6" imgW="4277101" imgH="1143305" progId="Excel.Sheet.8">
                   <p:embed/>
                 </p:oleObj>
               </mc:Choice>
@@ -12535,14 +12535,14 @@
                       <a:effectLst/>
                       <a:extLst>
                         <a:ext uri="{909E8E84-426E-40dd-AFC4-6F175D3DCCD1}">
-                          <a14:hiddenFill xmlns:a14="http://schemas.microsoft.com/office/drawing/2010/main" xmlns="">
+                          <a14:hiddenFill xmlns="" xmlns:a14="http://schemas.microsoft.com/office/drawing/2010/main">
                             <a:solidFill>
                               <a:schemeClr val="accent1"/>
                             </a:solidFill>
                           </a14:hiddenFill>
                         </a:ext>
                         <a:ext uri="{91240B29-F687-4f45-9708-019B960494DF}">
-                          <a14:hiddenLine xmlns:a14="http://schemas.microsoft.com/office/drawing/2010/main" xmlns="" w="9525">
+                          <a14:hiddenLine xmlns="" xmlns:a14="http://schemas.microsoft.com/office/drawing/2010/main" w="9525">
                             <a:solidFill>
                               <a:schemeClr val="tx1"/>
                             </a:solidFill>
@@ -12552,7 +12552,7 @@
                           </a14:hiddenLine>
                         </a:ext>
                         <a:ext uri="{AF507438-7753-43e0-B8FC-AC1667EBCBE1}">
-                          <a14:hiddenEffects xmlns:a14="http://schemas.microsoft.com/office/drawing/2010/main" xmlns="">
+                          <a14:hiddenEffects xmlns="" xmlns:a14="http://schemas.microsoft.com/office/drawing/2010/main">
                             <a:effectLst>
                               <a:outerShdw blurRad="63500" dist="38099" dir="2700000" algn="ctr" rotWithShape="0">
                                 <a:schemeClr val="bg2">
@@ -13000,7 +13000,7 @@
           <a:graphicData uri="http://schemas.openxmlformats.org/presentationml/2006/ole">
             <mc:AlternateContent xmlns:mc="http://schemas.openxmlformats.org/markup-compatibility/2006">
               <mc:Choice xmlns:v="urn:schemas-microsoft-com:vml" Requires="v">
-                <p:oleObj spid="_x0000_s30734" name="Equation" r:id="rId4" imgW="520560" imgH="203040" progId="Equation.3">
+                <p:oleObj spid="_x0000_s30738" name="Equation" r:id="rId4" imgW="520560" imgH="203040" progId="Equation.3">
                   <p:embed/>
                 </p:oleObj>
               </mc:Choice>
@@ -13043,14 +13043,14 @@
                       <a:effectLst/>
                       <a:extLst>
                         <a:ext uri="{909E8E84-426E-40dd-AFC4-6F175D3DCCD1}">
-                          <a14:hiddenFill xmlns:a14="http://schemas.microsoft.com/office/drawing/2010/main" xmlns="">
+                          <a14:hiddenFill xmlns="" xmlns:a14="http://schemas.microsoft.com/office/drawing/2010/main">
                             <a:solidFill>
                               <a:schemeClr val="accent1"/>
                             </a:solidFill>
                           </a14:hiddenFill>
                         </a:ext>
                         <a:ext uri="{91240B29-F687-4f45-9708-019B960494DF}">
-                          <a14:hiddenLine xmlns:a14="http://schemas.microsoft.com/office/drawing/2010/main" xmlns="" w="9525">
+                          <a14:hiddenLine xmlns="" xmlns:a14="http://schemas.microsoft.com/office/drawing/2010/main" w="9525">
                             <a:solidFill>
                               <a:schemeClr val="tx1"/>
                             </a:solidFill>
@@ -13060,7 +13060,7 @@
                           </a14:hiddenLine>
                         </a:ext>
                         <a:ext uri="{AF507438-7753-43e0-B8FC-AC1667EBCBE1}">
-                          <a14:hiddenEffects xmlns:a14="http://schemas.microsoft.com/office/drawing/2010/main" xmlns="">
+                          <a14:hiddenEffects xmlns="" xmlns:a14="http://schemas.microsoft.com/office/drawing/2010/main">
                             <a:effectLst>
                               <a:outerShdw blurRad="63500" dist="38099" dir="2700000" algn="ctr" rotWithShape="0">
                                 <a:schemeClr val="bg2">
@@ -13095,7 +13095,7 @@
           <a:graphicData uri="http://schemas.openxmlformats.org/presentationml/2006/ole">
             <mc:AlternateContent xmlns:mc="http://schemas.openxmlformats.org/markup-compatibility/2006">
               <mc:Choice xmlns:v="urn:schemas-microsoft-com:vml" Requires="v">
-                <p:oleObj spid="_x0000_s30735" name="Equation" r:id="rId6" imgW="381000" imgH="241300" progId="Equation.3">
+                <p:oleObj spid="_x0000_s30739" name="Equation" r:id="rId6" imgW="381000" imgH="241300" progId="Equation.3">
                   <p:embed/>
                 </p:oleObj>
               </mc:Choice>
@@ -13132,14 +13132,14 @@
                       <a:effectLst/>
                       <a:extLst>
                         <a:ext uri="{909E8E84-426E-40dd-AFC4-6F175D3DCCD1}">
-                          <a14:hiddenFill xmlns:a14="http://schemas.microsoft.com/office/drawing/2010/main" xmlns="">
+                          <a14:hiddenFill xmlns="" xmlns:a14="http://schemas.microsoft.com/office/drawing/2010/main">
                             <a:solidFill>
                               <a:schemeClr val="accent1"/>
                             </a:solidFill>
                           </a14:hiddenFill>
                         </a:ext>
                         <a:ext uri="{91240B29-F687-4f45-9708-019B960494DF}">
-                          <a14:hiddenLine xmlns:a14="http://schemas.microsoft.com/office/drawing/2010/main" xmlns="" w="9525">
+                          <a14:hiddenLine xmlns="" xmlns:a14="http://schemas.microsoft.com/office/drawing/2010/main" w="9525">
                             <a:solidFill>
                               <a:schemeClr val="tx1"/>
                             </a:solidFill>
@@ -13149,7 +13149,7 @@
                           </a14:hiddenLine>
                         </a:ext>
                         <a:ext uri="{AF507438-7753-43e0-B8FC-AC1667EBCBE1}">
-                          <a14:hiddenEffects xmlns:a14="http://schemas.microsoft.com/office/drawing/2010/main" xmlns="">
+                          <a14:hiddenEffects xmlns="" xmlns:a14="http://schemas.microsoft.com/office/drawing/2010/main">
                             <a:effectLst>
                               <a:outerShdw blurRad="63500" dist="38099" dir="2700000" algn="ctr" rotWithShape="0">
                                 <a:schemeClr val="bg2">
@@ -13184,7 +13184,7 @@
           <a:graphicData uri="http://schemas.openxmlformats.org/presentationml/2006/ole">
             <mc:AlternateContent xmlns:mc="http://schemas.openxmlformats.org/markup-compatibility/2006">
               <mc:Choice xmlns:v="urn:schemas-microsoft-com:vml" Requires="v">
-                <p:oleObj spid="_x0000_s30736" name="Equation" r:id="rId8" imgW="571500" imgH="241300" progId="Equation.3">
+                <p:oleObj spid="_x0000_s30740" name="Equation" r:id="rId8" imgW="571500" imgH="241300" progId="Equation.3">
                   <p:embed/>
                 </p:oleObj>
               </mc:Choice>
@@ -13221,14 +13221,14 @@
                       <a:effectLst/>
                       <a:extLst>
                         <a:ext uri="{909E8E84-426E-40dd-AFC4-6F175D3DCCD1}">
-                          <a14:hiddenFill xmlns:a14="http://schemas.microsoft.com/office/drawing/2010/main" xmlns="">
+                          <a14:hiddenFill xmlns="" xmlns:a14="http://schemas.microsoft.com/office/drawing/2010/main">
                             <a:solidFill>
                               <a:schemeClr val="accent1"/>
                             </a:solidFill>
                           </a14:hiddenFill>
                         </a:ext>
                         <a:ext uri="{91240B29-F687-4f45-9708-019B960494DF}">
-                          <a14:hiddenLine xmlns:a14="http://schemas.microsoft.com/office/drawing/2010/main" xmlns="" w="9525">
+                          <a14:hiddenLine xmlns="" xmlns:a14="http://schemas.microsoft.com/office/drawing/2010/main" w="9525">
                             <a:solidFill>
                               <a:schemeClr val="tx1"/>
                             </a:solidFill>
@@ -13238,7 +13238,7 @@
                           </a14:hiddenLine>
                         </a:ext>
                         <a:ext uri="{AF507438-7753-43e0-B8FC-AC1667EBCBE1}">
-                          <a14:hiddenEffects xmlns:a14="http://schemas.microsoft.com/office/drawing/2010/main" xmlns="">
+                          <a14:hiddenEffects xmlns="" xmlns:a14="http://schemas.microsoft.com/office/drawing/2010/main">
                             <a:effectLst>
                               <a:outerShdw blurRad="63500" dist="38099" dir="2700000" algn="ctr" rotWithShape="0">
                                 <a:schemeClr val="bg2">
@@ -13354,7 +13354,7 @@
           <a:graphicData uri="http://schemas.openxmlformats.org/presentationml/2006/ole">
             <mc:AlternateContent xmlns:mc="http://schemas.openxmlformats.org/markup-compatibility/2006">
               <mc:Choice xmlns:v="urn:schemas-microsoft-com:vml" Requires="v">
-                <p:oleObj spid="_x0000_s30737" name="Equation" r:id="rId10" imgW="545760" imgH="241200" progId="Equation.3">
+                <p:oleObj spid="_x0000_s30741" name="Equation" r:id="rId10" imgW="545760" imgH="241200" progId="Equation.3">
                   <p:embed/>
                 </p:oleObj>
               </mc:Choice>
@@ -13397,14 +13397,14 @@
                       <a:effectLst/>
                       <a:extLst>
                         <a:ext uri="{909E8E84-426E-40dd-AFC4-6F175D3DCCD1}">
-                          <a14:hiddenFill xmlns:a14="http://schemas.microsoft.com/office/drawing/2010/main" xmlns="">
+                          <a14:hiddenFill xmlns="" xmlns:a14="http://schemas.microsoft.com/office/drawing/2010/main">
                             <a:solidFill>
                               <a:schemeClr val="accent1"/>
                             </a:solidFill>
                           </a14:hiddenFill>
                         </a:ext>
                         <a:ext uri="{91240B29-F687-4f45-9708-019B960494DF}">
-                          <a14:hiddenLine xmlns:a14="http://schemas.microsoft.com/office/drawing/2010/main" xmlns="" w="9525">
+                          <a14:hiddenLine xmlns="" xmlns:a14="http://schemas.microsoft.com/office/drawing/2010/main" w="9525">
                             <a:solidFill>
                               <a:schemeClr val="tx1"/>
                             </a:solidFill>
@@ -13414,7 +13414,7 @@
                           </a14:hiddenLine>
                         </a:ext>
                         <a:ext uri="{AF507438-7753-43e0-B8FC-AC1667EBCBE1}">
-                          <a14:hiddenEffects xmlns:a14="http://schemas.microsoft.com/office/drawing/2010/main" xmlns="">
+                          <a14:hiddenEffects xmlns="" xmlns:a14="http://schemas.microsoft.com/office/drawing/2010/main">
                             <a:effectLst>
                               <a:outerShdw blurRad="63500" dist="38099" dir="2700000" algn="ctr" rotWithShape="0">
                                 <a:schemeClr val="bg2">
@@ -13812,7 +13812,7 @@
           <a:graphicData uri="http://schemas.openxmlformats.org/presentationml/2006/ole">
             <mc:AlternateContent xmlns:mc="http://schemas.openxmlformats.org/markup-compatibility/2006">
               <mc:Choice xmlns:v="urn:schemas-microsoft-com:vml" Requires="v">
-                <p:oleObj spid="_x0000_s31755" name="Equation" r:id="rId10" imgW="355320" imgH="177480" progId="Equation.3">
+                <p:oleObj spid="_x0000_s31758" name="Equation" r:id="rId10" imgW="355320" imgH="177480" progId="Equation.3">
                   <p:embed/>
                 </p:oleObj>
               </mc:Choice>
@@ -13855,14 +13855,14 @@
                       <a:effectLst/>
                       <a:extLst>
                         <a:ext uri="{909E8E84-426E-40dd-AFC4-6F175D3DCCD1}">
-                          <a14:hiddenFill xmlns:a14="http://schemas.microsoft.com/office/drawing/2010/main" xmlns="">
+                          <a14:hiddenFill xmlns="" xmlns:a14="http://schemas.microsoft.com/office/drawing/2010/main">
                             <a:solidFill>
                               <a:schemeClr val="accent1"/>
                             </a:solidFill>
                           </a14:hiddenFill>
                         </a:ext>
                         <a:ext uri="{91240B29-F687-4f45-9708-019B960494DF}">
-                          <a14:hiddenLine xmlns:a14="http://schemas.microsoft.com/office/drawing/2010/main" xmlns="" w="9525">
+                          <a14:hiddenLine xmlns="" xmlns:a14="http://schemas.microsoft.com/office/drawing/2010/main" w="9525">
                             <a:solidFill>
                               <a:schemeClr val="tx1"/>
                             </a:solidFill>
@@ -13872,7 +13872,7 @@
                           </a14:hiddenLine>
                         </a:ext>
                         <a:ext uri="{AF507438-7753-43e0-B8FC-AC1667EBCBE1}">
-                          <a14:hiddenEffects xmlns:a14="http://schemas.microsoft.com/office/drawing/2010/main" xmlns="">
+                          <a14:hiddenEffects xmlns="" xmlns:a14="http://schemas.microsoft.com/office/drawing/2010/main">
                             <a:effectLst>
                               <a:outerShdw blurRad="63500" dist="38099" dir="2700000" algn="ctr" rotWithShape="0">
                                 <a:schemeClr val="bg2">
@@ -13907,7 +13907,7 @@
           <a:graphicData uri="http://schemas.openxmlformats.org/presentationml/2006/ole">
             <mc:AlternateContent xmlns:mc="http://schemas.openxmlformats.org/markup-compatibility/2006">
               <mc:Choice xmlns:v="urn:schemas-microsoft-com:vml" Requires="v">
-                <p:oleObj spid="_x0000_s31756" name="Equation" r:id="rId12" imgW="380880" imgH="177480" progId="Equation.3">
+                <p:oleObj spid="_x0000_s31759" name="Equation" r:id="rId12" imgW="380880" imgH="177480" progId="Equation.3">
                   <p:embed/>
                 </p:oleObj>
               </mc:Choice>
@@ -13950,14 +13950,14 @@
                       <a:effectLst/>
                       <a:extLst>
                         <a:ext uri="{909E8E84-426E-40dd-AFC4-6F175D3DCCD1}">
-                          <a14:hiddenFill xmlns:a14="http://schemas.microsoft.com/office/drawing/2010/main" xmlns="">
+                          <a14:hiddenFill xmlns="" xmlns:a14="http://schemas.microsoft.com/office/drawing/2010/main">
                             <a:solidFill>
                               <a:schemeClr val="accent1"/>
                             </a:solidFill>
                           </a14:hiddenFill>
                         </a:ext>
                         <a:ext uri="{91240B29-F687-4f45-9708-019B960494DF}">
-                          <a14:hiddenLine xmlns:a14="http://schemas.microsoft.com/office/drawing/2010/main" xmlns="" w="9525">
+                          <a14:hiddenLine xmlns="" xmlns:a14="http://schemas.microsoft.com/office/drawing/2010/main" w="9525">
                             <a:solidFill>
                               <a:schemeClr val="tx1"/>
                             </a:solidFill>
@@ -13967,7 +13967,7 @@
                           </a14:hiddenLine>
                         </a:ext>
                         <a:ext uri="{AF507438-7753-43e0-B8FC-AC1667EBCBE1}">
-                          <a14:hiddenEffects xmlns:a14="http://schemas.microsoft.com/office/drawing/2010/main" xmlns="">
+                          <a14:hiddenEffects xmlns="" xmlns:a14="http://schemas.microsoft.com/office/drawing/2010/main">
                             <a:effectLst>
                               <a:outerShdw blurRad="63500" dist="38099" dir="2700000" algn="ctr" rotWithShape="0">
                                 <a:schemeClr val="bg2">
@@ -14002,7 +14002,7 @@
           <a:graphicData uri="http://schemas.openxmlformats.org/presentationml/2006/ole">
             <mc:AlternateContent xmlns:mc="http://schemas.openxmlformats.org/markup-compatibility/2006">
               <mc:Choice xmlns:v="urn:schemas-microsoft-com:vml" Requires="v">
-                <p:oleObj spid="_x0000_s31757" name="Equation" r:id="rId14" imgW="368280" imgH="177480" progId="Equation.3">
+                <p:oleObj spid="_x0000_s31760" name="Equation" r:id="rId14" imgW="368280" imgH="177480" progId="Equation.3">
                   <p:embed/>
                 </p:oleObj>
               </mc:Choice>
@@ -14045,14 +14045,14 @@
                       <a:effectLst/>
                       <a:extLst>
                         <a:ext uri="{909E8E84-426E-40dd-AFC4-6F175D3DCCD1}">
-                          <a14:hiddenFill xmlns:a14="http://schemas.microsoft.com/office/drawing/2010/main" xmlns="">
+                          <a14:hiddenFill xmlns="" xmlns:a14="http://schemas.microsoft.com/office/drawing/2010/main">
                             <a:solidFill>
                               <a:schemeClr val="accent1"/>
                             </a:solidFill>
                           </a14:hiddenFill>
                         </a:ext>
                         <a:ext uri="{91240B29-F687-4f45-9708-019B960494DF}">
-                          <a14:hiddenLine xmlns:a14="http://schemas.microsoft.com/office/drawing/2010/main" xmlns="" w="9525">
+                          <a14:hiddenLine xmlns="" xmlns:a14="http://schemas.microsoft.com/office/drawing/2010/main" w="9525">
                             <a:solidFill>
                               <a:schemeClr val="tx1"/>
                             </a:solidFill>
@@ -14062,7 +14062,7 @@
                           </a14:hiddenLine>
                         </a:ext>
                         <a:ext uri="{AF507438-7753-43e0-B8FC-AC1667EBCBE1}">
-                          <a14:hiddenEffects xmlns:a14="http://schemas.microsoft.com/office/drawing/2010/main" xmlns="">
+                          <a14:hiddenEffects xmlns="" xmlns:a14="http://schemas.microsoft.com/office/drawing/2010/main">
                             <a:effectLst>
                               <a:outerShdw blurRad="63500" dist="38099" dir="2700000" algn="ctr" rotWithShape="0">
                                 <a:schemeClr val="bg2">
@@ -14479,21 +14479,14 @@
           <p:nvPr/>
         </p:nvPicPr>
         <p:blipFill>
-          <a:blip r:embed="rId4">
-            <a:extLst>
-              <a:ext uri="{28A0092B-C50C-407E-A947-70E740481C1C}">
-                <a14:useLocalDpi xmlns:a14="http://schemas.microsoft.com/office/drawing/2010/main" val="0"/>
-              </a:ext>
-            </a:extLst>
-          </a:blip>
-          <a:stretch>
-            <a:fillRect/>
-          </a:stretch>
+          <a:blip r:embed="rId4"/>
+          <a:srcRect/>
+          <a:stretch/>
         </p:blipFill>
         <p:spPr>
           <a:xfrm>
-            <a:off x="0" y="5248514"/>
-            <a:ext cx="9144000" cy="1141790"/>
+            <a:off x="1791667" y="5248514"/>
+            <a:ext cx="5560665" cy="1141790"/>
           </a:xfrm>
           <a:prstGeom prst="rect">
             <a:avLst/>
@@ -16322,7 +16315,7 @@
           <a:graphicData uri="http://schemas.openxmlformats.org/presentationml/2006/ole">
             <mc:AlternateContent xmlns:mc="http://schemas.openxmlformats.org/markup-compatibility/2006">
               <mc:Choice xmlns:v="urn:schemas-microsoft-com:vml" Requires="v">
-                <p:oleObj spid="_x0000_s9264" name="Equation" r:id="rId4" imgW="660240" imgH="228600" progId="Equation.3">
+                <p:oleObj spid="_x0000_s9269" name="Equation" r:id="rId4" imgW="660240" imgH="228600" progId="Equation.3">
                   <p:embed/>
                 </p:oleObj>
               </mc:Choice>
@@ -16365,14 +16358,14 @@
                       <a:effectLst/>
                       <a:extLst>
                         <a:ext uri="{909E8E84-426E-40dd-AFC4-6F175D3DCCD1}">
-                          <a14:hiddenFill xmlns:a14="http://schemas.microsoft.com/office/drawing/2010/main" xmlns="">
+                          <a14:hiddenFill xmlns="" xmlns:a14="http://schemas.microsoft.com/office/drawing/2010/main">
                             <a:solidFill>
                               <a:schemeClr val="accent1"/>
                             </a:solidFill>
                           </a14:hiddenFill>
                         </a:ext>
                         <a:ext uri="{91240B29-F687-4f45-9708-019B960494DF}">
-                          <a14:hiddenLine xmlns:a14="http://schemas.microsoft.com/office/drawing/2010/main" xmlns="" w="9525">
+                          <a14:hiddenLine xmlns="" xmlns:a14="http://schemas.microsoft.com/office/drawing/2010/main" w="9525">
                             <a:solidFill>
                               <a:schemeClr val="tx1"/>
                             </a:solidFill>
@@ -16382,7 +16375,7 @@
                           </a14:hiddenLine>
                         </a:ext>
                         <a:ext uri="{AF507438-7753-43e0-B8FC-AC1667EBCBE1}">
-                          <a14:hiddenEffects xmlns:a14="http://schemas.microsoft.com/office/drawing/2010/main" xmlns="">
+                          <a14:hiddenEffects xmlns="" xmlns:a14="http://schemas.microsoft.com/office/drawing/2010/main">
                             <a:effectLst>
                               <a:outerShdw blurRad="63500" dist="38099" dir="2700000" algn="ctr" rotWithShape="0">
                                 <a:schemeClr val="bg2">
@@ -16417,7 +16410,7 @@
           <a:graphicData uri="http://schemas.openxmlformats.org/presentationml/2006/ole">
             <mc:AlternateContent xmlns:mc="http://schemas.openxmlformats.org/markup-compatibility/2006">
               <mc:Choice xmlns:v="urn:schemas-microsoft-com:vml" Requires="v">
-                <p:oleObj spid="_x0000_s9265" name="Equation" r:id="rId6" imgW="1206360" imgH="482400" progId="Equation.3">
+                <p:oleObj spid="_x0000_s9270" name="Equation" r:id="rId6" imgW="1206360" imgH="482400" progId="Equation.3">
                   <p:embed/>
                 </p:oleObj>
               </mc:Choice>
@@ -16460,14 +16453,14 @@
                       <a:effectLst/>
                       <a:extLst>
                         <a:ext uri="{909E8E84-426E-40dd-AFC4-6F175D3DCCD1}">
-                          <a14:hiddenFill xmlns:a14="http://schemas.microsoft.com/office/drawing/2010/main" xmlns="">
+                          <a14:hiddenFill xmlns="" xmlns:a14="http://schemas.microsoft.com/office/drawing/2010/main">
                             <a:solidFill>
                               <a:schemeClr val="accent1"/>
                             </a:solidFill>
                           </a14:hiddenFill>
                         </a:ext>
                         <a:ext uri="{91240B29-F687-4f45-9708-019B960494DF}">
-                          <a14:hiddenLine xmlns:a14="http://schemas.microsoft.com/office/drawing/2010/main" xmlns="" w="9525">
+                          <a14:hiddenLine xmlns="" xmlns:a14="http://schemas.microsoft.com/office/drawing/2010/main" w="9525">
                             <a:solidFill>
                               <a:schemeClr val="tx1"/>
                             </a:solidFill>
@@ -16477,7 +16470,7 @@
                           </a14:hiddenLine>
                         </a:ext>
                         <a:ext uri="{AF507438-7753-43e0-B8FC-AC1667EBCBE1}">
-                          <a14:hiddenEffects xmlns:a14="http://schemas.microsoft.com/office/drawing/2010/main" xmlns="">
+                          <a14:hiddenEffects xmlns="" xmlns:a14="http://schemas.microsoft.com/office/drawing/2010/main">
                             <a:effectLst>
                               <a:outerShdw blurRad="63500" dist="38099" dir="2700000" algn="ctr" rotWithShape="0">
                                 <a:schemeClr val="bg2">
@@ -16518,7 +16511,7 @@
           <a:graphicData uri="http://schemas.openxmlformats.org/presentationml/2006/ole">
             <mc:AlternateContent xmlns:mc="http://schemas.openxmlformats.org/markup-compatibility/2006">
               <mc:Choice xmlns:v="urn:schemas-microsoft-com:vml" Requires="v">
-                <p:oleObj spid="_x0000_s9266" name="Equation" r:id="rId8" imgW="2273300" imgH="584200" progId="Equation.3">
+                <p:oleObj spid="_x0000_s9271" name="Equation" r:id="rId8" imgW="2273300" imgH="584200" progId="Equation.3">
                   <p:embed/>
                 </p:oleObj>
               </mc:Choice>
@@ -16555,14 +16548,14 @@
                       <a:effectLst/>
                       <a:extLst>
                         <a:ext uri="{909E8E84-426E-40dd-AFC4-6F175D3DCCD1}">
-                          <a14:hiddenFill xmlns:a14="http://schemas.microsoft.com/office/drawing/2010/main" xmlns="">
+                          <a14:hiddenFill xmlns="" xmlns:a14="http://schemas.microsoft.com/office/drawing/2010/main">
                             <a:solidFill>
                               <a:schemeClr val="accent1"/>
                             </a:solidFill>
                           </a14:hiddenFill>
                         </a:ext>
                         <a:ext uri="{91240B29-F687-4f45-9708-019B960494DF}">
-                          <a14:hiddenLine xmlns:a14="http://schemas.microsoft.com/office/drawing/2010/main" xmlns="" w="9525">
+                          <a14:hiddenLine xmlns="" xmlns:a14="http://schemas.microsoft.com/office/drawing/2010/main" w="9525">
                             <a:solidFill>
                               <a:schemeClr val="tx1"/>
                             </a:solidFill>
@@ -16572,7 +16565,7 @@
                           </a14:hiddenLine>
                         </a:ext>
                         <a:ext uri="{AF507438-7753-43e0-B8FC-AC1667EBCBE1}">
-                          <a14:hiddenEffects xmlns:a14="http://schemas.microsoft.com/office/drawing/2010/main" xmlns="">
+                          <a14:hiddenEffects xmlns="" xmlns:a14="http://schemas.microsoft.com/office/drawing/2010/main">
                             <a:effectLst>
                               <a:outerShdw blurRad="63500" dist="38099" dir="2700000" algn="ctr" rotWithShape="0">
                                 <a:schemeClr val="bg2">
@@ -16613,7 +16606,7 @@
           <a:graphicData uri="http://schemas.openxmlformats.org/presentationml/2006/ole">
             <mc:AlternateContent xmlns:mc="http://schemas.openxmlformats.org/markup-compatibility/2006">
               <mc:Choice xmlns:v="urn:schemas-microsoft-com:vml" Requires="v">
-                <p:oleObj spid="_x0000_s9267" name="Equation" r:id="rId10" imgW="965200" imgH="304800" progId="Equation.3">
+                <p:oleObj spid="_x0000_s9272" name="Equation" r:id="rId10" imgW="965200" imgH="304800" progId="Equation.3">
                   <p:embed/>
                 </p:oleObj>
               </mc:Choice>
@@ -16650,14 +16643,14 @@
                       <a:effectLst/>
                       <a:extLst>
                         <a:ext uri="{909E8E84-426E-40dd-AFC4-6F175D3DCCD1}">
-                          <a14:hiddenFill xmlns:a14="http://schemas.microsoft.com/office/drawing/2010/main" xmlns="">
+                          <a14:hiddenFill xmlns="" xmlns:a14="http://schemas.microsoft.com/office/drawing/2010/main">
                             <a:solidFill>
                               <a:schemeClr val="accent1"/>
                             </a:solidFill>
                           </a14:hiddenFill>
                         </a:ext>
                         <a:ext uri="{91240B29-F687-4f45-9708-019B960494DF}">
-                          <a14:hiddenLine xmlns:a14="http://schemas.microsoft.com/office/drawing/2010/main" xmlns="" w="9525">
+                          <a14:hiddenLine xmlns="" xmlns:a14="http://schemas.microsoft.com/office/drawing/2010/main" w="9525">
                             <a:solidFill>
                               <a:schemeClr val="tx1"/>
                             </a:solidFill>
@@ -16667,7 +16660,7 @@
                           </a14:hiddenLine>
                         </a:ext>
                         <a:ext uri="{AF507438-7753-43e0-B8FC-AC1667EBCBE1}">
-                          <a14:hiddenEffects xmlns:a14="http://schemas.microsoft.com/office/drawing/2010/main" xmlns="">
+                          <a14:hiddenEffects xmlns="" xmlns:a14="http://schemas.microsoft.com/office/drawing/2010/main">
                             <a:effectLst>
                               <a:outerShdw blurRad="63500" dist="38099" dir="2700000" algn="ctr" rotWithShape="0">
                                 <a:schemeClr val="bg2">
@@ -16702,7 +16695,7 @@
           <a:graphicData uri="http://schemas.openxmlformats.org/presentationml/2006/ole">
             <mc:AlternateContent xmlns:mc="http://schemas.openxmlformats.org/markup-compatibility/2006">
               <mc:Choice xmlns:v="urn:schemas-microsoft-com:vml" Requires="v">
-                <p:oleObj spid="_x0000_s9268" name="Equation" r:id="rId12" imgW="787320" imgH="457200" progId="Equation.3">
+                <p:oleObj spid="_x0000_s9273" name="Equation" r:id="rId12" imgW="787320" imgH="457200" progId="Equation.3">
                   <p:embed/>
                 </p:oleObj>
               </mc:Choice>
@@ -16745,14 +16738,14 @@
                       <a:effectLst/>
                       <a:extLst>
                         <a:ext uri="{909E8E84-426E-40dd-AFC4-6F175D3DCCD1}">
-                          <a14:hiddenFill xmlns:a14="http://schemas.microsoft.com/office/drawing/2010/main" xmlns="">
+                          <a14:hiddenFill xmlns="" xmlns:a14="http://schemas.microsoft.com/office/drawing/2010/main">
                             <a:solidFill>
                               <a:schemeClr val="accent1"/>
                             </a:solidFill>
                           </a14:hiddenFill>
                         </a:ext>
                         <a:ext uri="{91240B29-F687-4f45-9708-019B960494DF}">
-                          <a14:hiddenLine xmlns:a14="http://schemas.microsoft.com/office/drawing/2010/main" xmlns="" w="9525">
+                          <a14:hiddenLine xmlns="" xmlns:a14="http://schemas.microsoft.com/office/drawing/2010/main" w="9525">
                             <a:solidFill>
                               <a:schemeClr val="tx1"/>
                             </a:solidFill>
@@ -16762,7 +16755,7 @@
                           </a14:hiddenLine>
                         </a:ext>
                         <a:ext uri="{AF507438-7753-43e0-B8FC-AC1667EBCBE1}">
-                          <a14:hiddenEffects xmlns:a14="http://schemas.microsoft.com/office/drawing/2010/main" xmlns="">
+                          <a14:hiddenEffects xmlns="" xmlns:a14="http://schemas.microsoft.com/office/drawing/2010/main">
                             <a:effectLst>
                               <a:outerShdw blurRad="63500" dist="38099" dir="2700000" algn="ctr" rotWithShape="0">
                                 <a:schemeClr val="bg2">
@@ -16861,7 +16854,7 @@
           <a:graphicData uri="http://schemas.openxmlformats.org/presentationml/2006/ole">
             <mc:AlternateContent xmlns:mc="http://schemas.openxmlformats.org/markup-compatibility/2006">
               <mc:Choice xmlns:v="urn:schemas-microsoft-com:vml" Requires="v">
-                <p:oleObj spid="_x0000_s10270" name="Equation" r:id="rId4" imgW="1587500" imgH="241300" progId="Equation.3">
+                <p:oleObj spid="_x0000_s10273" name="Equation" r:id="rId4" imgW="1587500" imgH="241300" progId="Equation.3">
                   <p:embed/>
                 </p:oleObj>
               </mc:Choice>
@@ -16898,14 +16891,14 @@
                       <a:effectLst/>
                       <a:extLst>
                         <a:ext uri="{909E8E84-426E-40dd-AFC4-6F175D3DCCD1}">
-                          <a14:hiddenFill xmlns:a14="http://schemas.microsoft.com/office/drawing/2010/main" xmlns="">
+                          <a14:hiddenFill xmlns="" xmlns:a14="http://schemas.microsoft.com/office/drawing/2010/main">
                             <a:solidFill>
                               <a:schemeClr val="accent1"/>
                             </a:solidFill>
                           </a14:hiddenFill>
                         </a:ext>
                         <a:ext uri="{91240B29-F687-4f45-9708-019B960494DF}">
-                          <a14:hiddenLine xmlns:a14="http://schemas.microsoft.com/office/drawing/2010/main" xmlns="" w="9525">
+                          <a14:hiddenLine xmlns="" xmlns:a14="http://schemas.microsoft.com/office/drawing/2010/main" w="9525">
                             <a:solidFill>
                               <a:schemeClr val="tx1"/>
                             </a:solidFill>
@@ -16915,7 +16908,7 @@
                           </a14:hiddenLine>
                         </a:ext>
                         <a:ext uri="{AF507438-7753-43e0-B8FC-AC1667EBCBE1}">
-                          <a14:hiddenEffects xmlns:a14="http://schemas.microsoft.com/office/drawing/2010/main" xmlns="">
+                          <a14:hiddenEffects xmlns="" xmlns:a14="http://schemas.microsoft.com/office/drawing/2010/main">
                             <a:effectLst>
                               <a:outerShdw blurRad="63500" dist="38099" dir="2700000" algn="ctr" rotWithShape="0">
                                 <a:schemeClr val="bg2">
@@ -16956,7 +16949,7 @@
           <a:graphicData uri="http://schemas.openxmlformats.org/presentationml/2006/ole">
             <mc:AlternateContent xmlns:mc="http://schemas.openxmlformats.org/markup-compatibility/2006">
               <mc:Choice xmlns:v="urn:schemas-microsoft-com:vml" Requires="v">
-                <p:oleObj spid="_x0000_s10271" name="Equation" r:id="rId6" imgW="1498600" imgH="584200" progId="Equation.3">
+                <p:oleObj spid="_x0000_s10274" name="Equation" r:id="rId6" imgW="1498600" imgH="584200" progId="Equation.3">
                   <p:embed/>
                 </p:oleObj>
               </mc:Choice>
@@ -16993,14 +16986,14 @@
                       <a:effectLst/>
                       <a:extLst>
                         <a:ext uri="{909E8E84-426E-40dd-AFC4-6F175D3DCCD1}">
-                          <a14:hiddenFill xmlns:a14="http://schemas.microsoft.com/office/drawing/2010/main" xmlns="">
+                          <a14:hiddenFill xmlns="" xmlns:a14="http://schemas.microsoft.com/office/drawing/2010/main">
                             <a:solidFill>
                               <a:schemeClr val="accent1"/>
                             </a:solidFill>
                           </a14:hiddenFill>
                         </a:ext>
                         <a:ext uri="{91240B29-F687-4f45-9708-019B960494DF}">
-                          <a14:hiddenLine xmlns:a14="http://schemas.microsoft.com/office/drawing/2010/main" xmlns="" w="9525">
+                          <a14:hiddenLine xmlns="" xmlns:a14="http://schemas.microsoft.com/office/drawing/2010/main" w="9525">
                             <a:solidFill>
                               <a:schemeClr val="tx1"/>
                             </a:solidFill>
@@ -17010,7 +17003,7 @@
                           </a14:hiddenLine>
                         </a:ext>
                         <a:ext uri="{AF507438-7753-43e0-B8FC-AC1667EBCBE1}">
-                          <a14:hiddenEffects xmlns:a14="http://schemas.microsoft.com/office/drawing/2010/main" xmlns="">
+                          <a14:hiddenEffects xmlns="" xmlns:a14="http://schemas.microsoft.com/office/drawing/2010/main">
                             <a:effectLst>
                               <a:outerShdw blurRad="63500" dist="38099" dir="2700000" algn="ctr" rotWithShape="0">
                                 <a:schemeClr val="bg2">
@@ -17115,7 +17108,7 @@
           <a:graphicData uri="http://schemas.openxmlformats.org/presentationml/2006/ole">
             <mc:AlternateContent xmlns:mc="http://schemas.openxmlformats.org/markup-compatibility/2006">
               <mc:Choice xmlns:v="urn:schemas-microsoft-com:vml" Requires="v">
-                <p:oleObj spid="_x0000_s10272" name="Equation" r:id="rId10" imgW="1765300" imgH="584200" progId="Equation.3">
+                <p:oleObj spid="_x0000_s10275" name="Equation" r:id="rId10" imgW="1765300" imgH="584200" progId="Equation.3">
                   <p:embed/>
                 </p:oleObj>
               </mc:Choice>
@@ -17152,14 +17145,14 @@
                       <a:effectLst/>
                       <a:extLst>
                         <a:ext uri="{909E8E84-426E-40dd-AFC4-6F175D3DCCD1}">
-                          <a14:hiddenFill xmlns:a14="http://schemas.microsoft.com/office/drawing/2010/main" xmlns="">
+                          <a14:hiddenFill xmlns="" xmlns:a14="http://schemas.microsoft.com/office/drawing/2010/main">
                             <a:solidFill>
                               <a:schemeClr val="accent1"/>
                             </a:solidFill>
                           </a14:hiddenFill>
                         </a:ext>
                         <a:ext uri="{91240B29-F687-4f45-9708-019B960494DF}">
-                          <a14:hiddenLine xmlns:a14="http://schemas.microsoft.com/office/drawing/2010/main" xmlns="" w="9525">
+                          <a14:hiddenLine xmlns="" xmlns:a14="http://schemas.microsoft.com/office/drawing/2010/main" w="9525">
                             <a:solidFill>
                               <a:schemeClr val="tx1"/>
                             </a:solidFill>
@@ -17169,7 +17162,7 @@
                           </a14:hiddenLine>
                         </a:ext>
                         <a:ext uri="{AF507438-7753-43e0-B8FC-AC1667EBCBE1}">
-                          <a14:hiddenEffects xmlns:a14="http://schemas.microsoft.com/office/drawing/2010/main" xmlns="">
+                          <a14:hiddenEffects xmlns="" xmlns:a14="http://schemas.microsoft.com/office/drawing/2010/main">
                             <a:effectLst>
                               <a:outerShdw blurRad="63500" dist="38099" dir="2700000" algn="ctr" rotWithShape="0">
                                 <a:schemeClr val="bg2">
@@ -17313,7 +17306,7 @@
           <a:graphicData uri="http://schemas.openxmlformats.org/presentationml/2006/ole">
             <mc:AlternateContent xmlns:mc="http://schemas.openxmlformats.org/markup-compatibility/2006">
               <mc:Choice xmlns:v="urn:schemas-microsoft-com:vml" Requires="v">
-                <p:oleObj spid="_x0000_s11294" name="Equation" r:id="rId5" imgW="177480" imgH="228600" progId="Equation.3">
+                <p:oleObj spid="_x0000_s11297" name="Equation" r:id="rId5" imgW="177480" imgH="228600" progId="Equation.3">
                   <p:embed/>
                 </p:oleObj>
               </mc:Choice>
@@ -17356,14 +17349,14 @@
                       <a:effectLst/>
                       <a:extLst>
                         <a:ext uri="{909E8E84-426E-40dd-AFC4-6F175D3DCCD1}">
-                          <a14:hiddenFill xmlns:a14="http://schemas.microsoft.com/office/drawing/2010/main" xmlns="">
+                          <a14:hiddenFill xmlns="" xmlns:a14="http://schemas.microsoft.com/office/drawing/2010/main">
                             <a:solidFill>
                               <a:schemeClr val="accent1"/>
                             </a:solidFill>
                           </a14:hiddenFill>
                         </a:ext>
                         <a:ext uri="{91240B29-F687-4f45-9708-019B960494DF}">
-                          <a14:hiddenLine xmlns:a14="http://schemas.microsoft.com/office/drawing/2010/main" xmlns="" w="9525">
+                          <a14:hiddenLine xmlns="" xmlns:a14="http://schemas.microsoft.com/office/drawing/2010/main" w="9525">
                             <a:solidFill>
                               <a:schemeClr val="tx1"/>
                             </a:solidFill>
@@ -17373,7 +17366,7 @@
                           </a14:hiddenLine>
                         </a:ext>
                         <a:ext uri="{AF507438-7753-43e0-B8FC-AC1667EBCBE1}">
-                          <a14:hiddenEffects xmlns:a14="http://schemas.microsoft.com/office/drawing/2010/main" xmlns="">
+                          <a14:hiddenEffects xmlns="" xmlns:a14="http://schemas.microsoft.com/office/drawing/2010/main">
                             <a:effectLst>
                               <a:outerShdw blurRad="63500" dist="38099" dir="2700000" algn="ctr" rotWithShape="0">
                                 <a:schemeClr val="bg2">
@@ -17408,7 +17401,7 @@
           <a:graphicData uri="http://schemas.openxmlformats.org/presentationml/2006/ole">
             <mc:AlternateContent xmlns:mc="http://schemas.openxmlformats.org/markup-compatibility/2006">
               <mc:Choice xmlns:v="urn:schemas-microsoft-com:vml" Requires="v">
-                <p:oleObj spid="_x0000_s11295" name="Equation" r:id="rId7" imgW="190440" imgH="241200" progId="Equation.3">
+                <p:oleObj spid="_x0000_s11298" name="Equation" r:id="rId7" imgW="190440" imgH="241200" progId="Equation.3">
                   <p:embed/>
                 </p:oleObj>
               </mc:Choice>
@@ -17451,14 +17444,14 @@
                       <a:effectLst/>
                       <a:extLst>
                         <a:ext uri="{909E8E84-426E-40dd-AFC4-6F175D3DCCD1}">
-                          <a14:hiddenFill xmlns:a14="http://schemas.microsoft.com/office/drawing/2010/main" xmlns="">
+                          <a14:hiddenFill xmlns="" xmlns:a14="http://schemas.microsoft.com/office/drawing/2010/main">
                             <a:solidFill>
                               <a:schemeClr val="accent1"/>
                             </a:solidFill>
                           </a14:hiddenFill>
                         </a:ext>
                         <a:ext uri="{91240B29-F687-4f45-9708-019B960494DF}">
-                          <a14:hiddenLine xmlns:a14="http://schemas.microsoft.com/office/drawing/2010/main" xmlns="" w="9525">
+                          <a14:hiddenLine xmlns="" xmlns:a14="http://schemas.microsoft.com/office/drawing/2010/main" w="9525">
                             <a:solidFill>
                               <a:schemeClr val="tx1"/>
                             </a:solidFill>
@@ -17468,7 +17461,7 @@
                           </a14:hiddenLine>
                         </a:ext>
                         <a:ext uri="{AF507438-7753-43e0-B8FC-AC1667EBCBE1}">
-                          <a14:hiddenEffects xmlns:a14="http://schemas.microsoft.com/office/drawing/2010/main" xmlns="">
+                          <a14:hiddenEffects xmlns="" xmlns:a14="http://schemas.microsoft.com/office/drawing/2010/main">
                             <a:effectLst>
                               <a:outerShdw blurRad="63500" dist="38099" dir="2700000" algn="ctr" rotWithShape="0">
                                 <a:schemeClr val="bg2">
@@ -17503,7 +17496,7 @@
           <a:graphicData uri="http://schemas.openxmlformats.org/presentationml/2006/ole">
             <mc:AlternateContent xmlns:mc="http://schemas.openxmlformats.org/markup-compatibility/2006">
               <mc:Choice xmlns:v="urn:schemas-microsoft-com:vml" Requires="v">
-                <p:oleObj spid="_x0000_s11296" name="Equation" r:id="rId9" imgW="126720" imgH="164880" progId="Equation.3">
+                <p:oleObj spid="_x0000_s11299" name="Equation" r:id="rId9" imgW="126720" imgH="164880" progId="Equation.3">
                   <p:embed/>
                 </p:oleObj>
               </mc:Choice>
@@ -17546,14 +17539,14 @@
                       <a:effectLst/>
                       <a:extLst>
                         <a:ext uri="{909E8E84-426E-40dd-AFC4-6F175D3DCCD1}">
-                          <a14:hiddenFill xmlns:a14="http://schemas.microsoft.com/office/drawing/2010/main" xmlns="">
+                          <a14:hiddenFill xmlns="" xmlns:a14="http://schemas.microsoft.com/office/drawing/2010/main">
                             <a:solidFill>
                               <a:schemeClr val="accent1"/>
                             </a:solidFill>
                           </a14:hiddenFill>
                         </a:ext>
                         <a:ext uri="{91240B29-F687-4f45-9708-019B960494DF}">
-                          <a14:hiddenLine xmlns:a14="http://schemas.microsoft.com/office/drawing/2010/main" xmlns="" w="9525">
+                          <a14:hiddenLine xmlns="" xmlns:a14="http://schemas.microsoft.com/office/drawing/2010/main" w="9525">
                             <a:solidFill>
                               <a:schemeClr val="tx1"/>
                             </a:solidFill>
@@ -17563,7 +17556,7 @@
                           </a14:hiddenLine>
                         </a:ext>
                         <a:ext uri="{AF507438-7753-43e0-B8FC-AC1667EBCBE1}">
-                          <a14:hiddenEffects xmlns:a14="http://schemas.microsoft.com/office/drawing/2010/main" xmlns="">
+                          <a14:hiddenEffects xmlns="" xmlns:a14="http://schemas.microsoft.com/office/drawing/2010/main">
                             <a:effectLst>
                               <a:outerShdw blurRad="63500" dist="38099" dir="2700000" algn="ctr" rotWithShape="0">
                                 <a:schemeClr val="bg2">
@@ -17752,7 +17745,7 @@
           <a:graphicData uri="http://schemas.openxmlformats.org/presentationml/2006/ole">
             <mc:AlternateContent xmlns:mc="http://schemas.openxmlformats.org/markup-compatibility/2006">
               <mc:Choice xmlns:v="urn:schemas-microsoft-com:vml" Requires="v">
-                <p:oleObj spid="_x0000_s12318" name="Equation" r:id="rId5" imgW="126720" imgH="164880" progId="Equation.3">
+                <p:oleObj spid="_x0000_s12321" name="Equation" r:id="rId5" imgW="126720" imgH="164880" progId="Equation.3">
                   <p:embed/>
                 </p:oleObj>
               </mc:Choice>
@@ -17795,14 +17788,14 @@
                       <a:effectLst/>
                       <a:extLst>
                         <a:ext uri="{909E8E84-426E-40dd-AFC4-6F175D3DCCD1}">
-                          <a14:hiddenFill xmlns:a14="http://schemas.microsoft.com/office/drawing/2010/main" xmlns="">
+                          <a14:hiddenFill xmlns="" xmlns:a14="http://schemas.microsoft.com/office/drawing/2010/main">
                             <a:solidFill>
                               <a:schemeClr val="accent1"/>
                             </a:solidFill>
                           </a14:hiddenFill>
                         </a:ext>
                         <a:ext uri="{91240B29-F687-4f45-9708-019B960494DF}">
-                          <a14:hiddenLine xmlns:a14="http://schemas.microsoft.com/office/drawing/2010/main" xmlns="" w="9525">
+                          <a14:hiddenLine xmlns="" xmlns:a14="http://schemas.microsoft.com/office/drawing/2010/main" w="9525">
                             <a:solidFill>
                               <a:schemeClr val="tx1"/>
                             </a:solidFill>
@@ -17812,7 +17805,7 @@
                           </a14:hiddenLine>
                         </a:ext>
                         <a:ext uri="{AF507438-7753-43e0-B8FC-AC1667EBCBE1}">
-                          <a14:hiddenEffects xmlns:a14="http://schemas.microsoft.com/office/drawing/2010/main" xmlns="">
+                          <a14:hiddenEffects xmlns="" xmlns:a14="http://schemas.microsoft.com/office/drawing/2010/main">
                             <a:effectLst>
                               <a:outerShdw blurRad="63500" dist="38099" dir="2700000" algn="ctr" rotWithShape="0">
                                 <a:schemeClr val="bg2">
@@ -17853,7 +17846,7 @@
           <a:graphicData uri="http://schemas.openxmlformats.org/presentationml/2006/ole">
             <mc:AlternateContent xmlns:mc="http://schemas.openxmlformats.org/markup-compatibility/2006">
               <mc:Choice xmlns:v="urn:schemas-microsoft-com:vml" Requires="v">
-                <p:oleObj spid="_x0000_s12319" name="Equation" r:id="rId7" imgW="965200" imgH="304800" progId="Equation.3">
+                <p:oleObj spid="_x0000_s12322" name="Equation" r:id="rId7" imgW="965200" imgH="304800" progId="Equation.3">
                   <p:embed/>
                 </p:oleObj>
               </mc:Choice>
@@ -17890,14 +17883,14 @@
                       <a:effectLst/>
                       <a:extLst>
                         <a:ext uri="{909E8E84-426E-40dd-AFC4-6F175D3DCCD1}">
-                          <a14:hiddenFill xmlns:a14="http://schemas.microsoft.com/office/drawing/2010/main" xmlns="">
+                          <a14:hiddenFill xmlns="" xmlns:a14="http://schemas.microsoft.com/office/drawing/2010/main">
                             <a:solidFill>
                               <a:schemeClr val="accent1"/>
                             </a:solidFill>
                           </a14:hiddenFill>
                         </a:ext>
                         <a:ext uri="{91240B29-F687-4f45-9708-019B960494DF}">
-                          <a14:hiddenLine xmlns:a14="http://schemas.microsoft.com/office/drawing/2010/main" xmlns="" w="9525">
+                          <a14:hiddenLine xmlns="" xmlns:a14="http://schemas.microsoft.com/office/drawing/2010/main" w="9525">
                             <a:solidFill>
                               <a:schemeClr val="tx1"/>
                             </a:solidFill>
@@ -17907,7 +17900,7 @@
                           </a14:hiddenLine>
                         </a:ext>
                         <a:ext uri="{AF507438-7753-43e0-B8FC-AC1667EBCBE1}">
-                          <a14:hiddenEffects xmlns:a14="http://schemas.microsoft.com/office/drawing/2010/main" xmlns="">
+                          <a14:hiddenEffects xmlns="" xmlns:a14="http://schemas.microsoft.com/office/drawing/2010/main">
                             <a:effectLst>
                               <a:outerShdw blurRad="63500" dist="38099" dir="2700000" algn="ctr" rotWithShape="0">
                                 <a:schemeClr val="bg2">
@@ -17948,7 +17941,7 @@
           <a:graphicData uri="http://schemas.openxmlformats.org/presentationml/2006/ole">
             <mc:AlternateContent xmlns:mc="http://schemas.openxmlformats.org/markup-compatibility/2006">
               <mc:Choice xmlns:v="urn:schemas-microsoft-com:vml" Requires="v">
-                <p:oleObj spid="_x0000_s12320" name="Equation" r:id="rId9" imgW="1346200" imgH="241300" progId="Equation.3">
+                <p:oleObj spid="_x0000_s12323" name="Equation" r:id="rId9" imgW="1346200" imgH="241300" progId="Equation.3">
                   <p:embed/>
                 </p:oleObj>
               </mc:Choice>
@@ -17985,14 +17978,14 @@
                       <a:effectLst/>
                       <a:extLst>
                         <a:ext uri="{909E8E84-426E-40dd-AFC4-6F175D3DCCD1}">
-                          <a14:hiddenFill xmlns:a14="http://schemas.microsoft.com/office/drawing/2010/main" xmlns="">
+                          <a14:hiddenFill xmlns="" xmlns:a14="http://schemas.microsoft.com/office/drawing/2010/main">
                             <a:solidFill>
                               <a:schemeClr val="accent1"/>
                             </a:solidFill>
                           </a14:hiddenFill>
                         </a:ext>
                         <a:ext uri="{91240B29-F687-4f45-9708-019B960494DF}">
-                          <a14:hiddenLine xmlns:a14="http://schemas.microsoft.com/office/drawing/2010/main" xmlns="" w="9525">
+                          <a14:hiddenLine xmlns="" xmlns:a14="http://schemas.microsoft.com/office/drawing/2010/main" w="9525">
                             <a:solidFill>
                               <a:schemeClr val="tx1"/>
                             </a:solidFill>
@@ -18002,7 +17995,7 @@
                           </a14:hiddenLine>
                         </a:ext>
                         <a:ext uri="{AF507438-7753-43e0-B8FC-AC1667EBCBE1}">
-                          <a14:hiddenEffects xmlns:a14="http://schemas.microsoft.com/office/drawing/2010/main" xmlns="">
+                          <a14:hiddenEffects xmlns="" xmlns:a14="http://schemas.microsoft.com/office/drawing/2010/main">
                             <a:effectLst>
                               <a:outerShdw blurRad="63500" dist="38099" dir="2700000" algn="ctr" rotWithShape="0">
                                 <a:schemeClr val="bg2">
@@ -20349,7 +20342,7 @@
           <a:graphicData uri="http://schemas.openxmlformats.org/presentationml/2006/ole">
             <mc:AlternateContent xmlns:mc="http://schemas.openxmlformats.org/markup-compatibility/2006">
               <mc:Choice xmlns:v="urn:schemas-microsoft-com:vml" Requires="v">
-                <p:oleObj spid="_x0000_s13360" name="Equation" r:id="rId4" imgW="3251200" imgH="469900" progId="Equation.3">
+                <p:oleObj spid="_x0000_s13365" name="Equation" r:id="rId4" imgW="3251200" imgH="469900" progId="Equation.3">
                   <p:embed/>
                 </p:oleObj>
               </mc:Choice>
@@ -20414,7 +20407,7 @@
           <a:graphicData uri="http://schemas.openxmlformats.org/presentationml/2006/ole">
             <mc:AlternateContent xmlns:mc="http://schemas.openxmlformats.org/markup-compatibility/2006">
               <mc:Choice xmlns:v="urn:schemas-microsoft-com:vml" Requires="v">
-                <p:oleObj spid="_x0000_s13361" name="Equation" r:id="rId6" imgW="3098800" imgH="812800" progId="Equation.3">
+                <p:oleObj spid="_x0000_s13366" name="Equation" r:id="rId6" imgW="3098800" imgH="812800" progId="Equation.3">
                   <p:embed/>
                 </p:oleObj>
               </mc:Choice>
@@ -20637,7 +20630,7 @@
           <a:graphicData uri="http://schemas.openxmlformats.org/presentationml/2006/ole">
             <mc:AlternateContent xmlns:mc="http://schemas.openxmlformats.org/markup-compatibility/2006">
               <mc:Choice xmlns:v="urn:schemas-microsoft-com:vml" Requires="v">
-                <p:oleObj spid="_x0000_s13362" name="Equation" r:id="rId8" imgW="419040" imgH="215640" progId="Equation.3">
+                <p:oleObj spid="_x0000_s13367" name="Equation" r:id="rId8" imgW="419040" imgH="215640" progId="Equation.3">
                   <p:embed/>
                 </p:oleObj>
               </mc:Choice>
@@ -20680,14 +20673,14 @@
                       <a:effectLst/>
                       <a:extLst>
                         <a:ext uri="{909E8E84-426E-40dd-AFC4-6F175D3DCCD1}">
-                          <a14:hiddenFill xmlns:a14="http://schemas.microsoft.com/office/drawing/2010/main" xmlns="">
+                          <a14:hiddenFill xmlns="" xmlns:a14="http://schemas.microsoft.com/office/drawing/2010/main">
                             <a:solidFill>
                               <a:schemeClr val="accent1"/>
                             </a:solidFill>
                           </a14:hiddenFill>
                         </a:ext>
                         <a:ext uri="{91240B29-F687-4f45-9708-019B960494DF}">
-                          <a14:hiddenLine xmlns:a14="http://schemas.microsoft.com/office/drawing/2010/main" xmlns="" w="9525">
+                          <a14:hiddenLine xmlns="" xmlns:a14="http://schemas.microsoft.com/office/drawing/2010/main" w="9525">
                             <a:solidFill>
                               <a:schemeClr val="tx1"/>
                             </a:solidFill>
@@ -20697,7 +20690,7 @@
                           </a14:hiddenLine>
                         </a:ext>
                         <a:ext uri="{AF507438-7753-43e0-B8FC-AC1667EBCBE1}">
-                          <a14:hiddenEffects xmlns:a14="http://schemas.microsoft.com/office/drawing/2010/main" xmlns="">
+                          <a14:hiddenEffects xmlns="" xmlns:a14="http://schemas.microsoft.com/office/drawing/2010/main">
                             <a:effectLst>
                               <a:outerShdw blurRad="63500" dist="38099" dir="2700000" algn="ctr" rotWithShape="0">
                                 <a:schemeClr val="bg2">
@@ -20738,7 +20731,7 @@
           <a:graphicData uri="http://schemas.openxmlformats.org/presentationml/2006/ole">
             <mc:AlternateContent xmlns:mc="http://schemas.openxmlformats.org/markup-compatibility/2006">
               <mc:Choice xmlns:v="urn:schemas-microsoft-com:vml" Requires="v">
-                <p:oleObj spid="_x0000_s13363" name="Equation" r:id="rId10" imgW="355320" imgH="215640" progId="Equation.3">
+                <p:oleObj spid="_x0000_s13368" name="Equation" r:id="rId10" imgW="355320" imgH="215640" progId="Equation.3">
                   <p:embed/>
                 </p:oleObj>
               </mc:Choice>
@@ -20781,14 +20774,14 @@
                       <a:effectLst/>
                       <a:extLst>
                         <a:ext uri="{909E8E84-426E-40dd-AFC4-6F175D3DCCD1}">
-                          <a14:hiddenFill xmlns:a14="http://schemas.microsoft.com/office/drawing/2010/main" xmlns="">
+                          <a14:hiddenFill xmlns="" xmlns:a14="http://schemas.microsoft.com/office/drawing/2010/main">
                             <a:solidFill>
                               <a:schemeClr val="accent1"/>
                             </a:solidFill>
                           </a14:hiddenFill>
                         </a:ext>
                         <a:ext uri="{91240B29-F687-4f45-9708-019B960494DF}">
-                          <a14:hiddenLine xmlns:a14="http://schemas.microsoft.com/office/drawing/2010/main" xmlns="" w="9525">
+                          <a14:hiddenLine xmlns="" xmlns:a14="http://schemas.microsoft.com/office/drawing/2010/main" w="9525">
                             <a:solidFill>
                               <a:schemeClr val="tx1"/>
                             </a:solidFill>
@@ -20798,7 +20791,7 @@
                           </a14:hiddenLine>
                         </a:ext>
                         <a:ext uri="{AF507438-7753-43e0-B8FC-AC1667EBCBE1}">
-                          <a14:hiddenEffects xmlns:a14="http://schemas.microsoft.com/office/drawing/2010/main" xmlns="">
+                          <a14:hiddenEffects xmlns="" xmlns:a14="http://schemas.microsoft.com/office/drawing/2010/main">
                             <a:effectLst>
                               <a:outerShdw blurRad="63500" dist="38099" dir="2700000" algn="ctr" rotWithShape="0">
                                 <a:schemeClr val="bg2">
@@ -20839,7 +20832,7 @@
           <a:graphicData uri="http://schemas.openxmlformats.org/presentationml/2006/ole">
             <mc:AlternateContent xmlns:mc="http://schemas.openxmlformats.org/markup-compatibility/2006">
               <mc:Choice xmlns:v="urn:schemas-microsoft-com:vml" Requires="v">
-                <p:oleObj spid="_x0000_s13364" name="Equation" r:id="rId12" imgW="457200" imgH="215640" progId="Equation.3">
+                <p:oleObj spid="_x0000_s13369" name="Equation" r:id="rId12" imgW="457200" imgH="215640" progId="Equation.3">
                   <p:embed/>
                 </p:oleObj>
               </mc:Choice>
@@ -20882,14 +20875,14 @@
                       <a:effectLst/>
                       <a:extLst>
                         <a:ext uri="{909E8E84-426E-40dd-AFC4-6F175D3DCCD1}">
-                          <a14:hiddenFill xmlns:a14="http://schemas.microsoft.com/office/drawing/2010/main" xmlns="">
+                          <a14:hiddenFill xmlns="" xmlns:a14="http://schemas.microsoft.com/office/drawing/2010/main">
                             <a:solidFill>
                               <a:schemeClr val="accent1"/>
                             </a:solidFill>
                           </a14:hiddenFill>
                         </a:ext>
                         <a:ext uri="{91240B29-F687-4f45-9708-019B960494DF}">
-                          <a14:hiddenLine xmlns:a14="http://schemas.microsoft.com/office/drawing/2010/main" xmlns="" w="9525">
+                          <a14:hiddenLine xmlns="" xmlns:a14="http://schemas.microsoft.com/office/drawing/2010/main" w="9525">
                             <a:solidFill>
                               <a:schemeClr val="tx1"/>
                             </a:solidFill>
@@ -20899,7 +20892,7 @@
                           </a14:hiddenLine>
                         </a:ext>
                         <a:ext uri="{AF507438-7753-43e0-B8FC-AC1667EBCBE1}">
-                          <a14:hiddenEffects xmlns:a14="http://schemas.microsoft.com/office/drawing/2010/main" xmlns="">
+                          <a14:hiddenEffects xmlns="" xmlns:a14="http://schemas.microsoft.com/office/drawing/2010/main">
                             <a:effectLst>
                               <a:outerShdw blurRad="63500" dist="38099" dir="2700000" algn="ctr" rotWithShape="0">
                                 <a:schemeClr val="bg2">
@@ -21021,7 +21014,7 @@
           <a:graphicData uri="http://schemas.openxmlformats.org/presentationml/2006/ole">
             <mc:AlternateContent xmlns:mc="http://schemas.openxmlformats.org/markup-compatibility/2006">
               <mc:Choice xmlns:v="urn:schemas-microsoft-com:vml" Requires="v">
-                <p:oleObj spid="_x0000_s14387" name="Equation" r:id="rId4" imgW="126720" imgH="177480" progId="Equation.3">
+                <p:oleObj spid="_x0000_s14393" name="Equation" r:id="rId4" imgW="126720" imgH="177480" progId="Equation.3">
                   <p:embed/>
                 </p:oleObj>
               </mc:Choice>
@@ -21064,14 +21057,14 @@
                       <a:effectLst/>
                       <a:extLst>
                         <a:ext uri="{909E8E84-426E-40dd-AFC4-6F175D3DCCD1}">
-                          <a14:hiddenFill xmlns:a14="http://schemas.microsoft.com/office/drawing/2010/main" xmlns="">
+                          <a14:hiddenFill xmlns="" xmlns:a14="http://schemas.microsoft.com/office/drawing/2010/main">
                             <a:solidFill>
                               <a:schemeClr val="accent1"/>
                             </a:solidFill>
                           </a14:hiddenFill>
                         </a:ext>
                         <a:ext uri="{91240B29-F687-4f45-9708-019B960494DF}">
-                          <a14:hiddenLine xmlns:a14="http://schemas.microsoft.com/office/drawing/2010/main" xmlns="" w="9525">
+                          <a14:hiddenLine xmlns="" xmlns:a14="http://schemas.microsoft.com/office/drawing/2010/main" w="9525">
                             <a:solidFill>
                               <a:schemeClr val="tx1"/>
                             </a:solidFill>
@@ -21081,7 +21074,7 @@
                           </a14:hiddenLine>
                         </a:ext>
                         <a:ext uri="{AF507438-7753-43e0-B8FC-AC1667EBCBE1}">
-                          <a14:hiddenEffects xmlns:a14="http://schemas.microsoft.com/office/drawing/2010/main" xmlns="">
+                          <a14:hiddenEffects xmlns="" xmlns:a14="http://schemas.microsoft.com/office/drawing/2010/main">
                             <a:effectLst>
                               <a:outerShdw blurRad="63500" dist="38099" dir="2700000" algn="ctr" rotWithShape="0">
                                 <a:schemeClr val="bg2">
@@ -21460,7 +21453,7 @@
           <a:graphicData uri="http://schemas.openxmlformats.org/presentationml/2006/ole">
             <mc:AlternateContent xmlns:mc="http://schemas.openxmlformats.org/markup-compatibility/2006">
               <mc:Choice xmlns:v="urn:schemas-microsoft-com:vml" Requires="v">
-                <p:oleObj spid="_x0000_s14388" name="Equation" r:id="rId6" imgW="88560" imgH="164880" progId="Equation.3">
+                <p:oleObj spid="_x0000_s14394" name="Equation" r:id="rId6" imgW="88560" imgH="164880" progId="Equation.3">
                   <p:embed/>
                 </p:oleObj>
               </mc:Choice>
@@ -21503,14 +21496,14 @@
                       <a:effectLst/>
                       <a:extLst>
                         <a:ext uri="{909E8E84-426E-40dd-AFC4-6F175D3DCCD1}">
-                          <a14:hiddenFill xmlns:a14="http://schemas.microsoft.com/office/drawing/2010/main" xmlns="">
+                          <a14:hiddenFill xmlns="" xmlns:a14="http://schemas.microsoft.com/office/drawing/2010/main">
                             <a:solidFill>
                               <a:schemeClr val="accent1"/>
                             </a:solidFill>
                           </a14:hiddenFill>
                         </a:ext>
                         <a:ext uri="{91240B29-F687-4f45-9708-019B960494DF}">
-                          <a14:hiddenLine xmlns:a14="http://schemas.microsoft.com/office/drawing/2010/main" xmlns="" w="9525">
+                          <a14:hiddenLine xmlns="" xmlns:a14="http://schemas.microsoft.com/office/drawing/2010/main" w="9525">
                             <a:solidFill>
                               <a:schemeClr val="tx1"/>
                             </a:solidFill>
@@ -21520,7 +21513,7 @@
                           </a14:hiddenLine>
                         </a:ext>
                         <a:ext uri="{AF507438-7753-43e0-B8FC-AC1667EBCBE1}">
-                          <a14:hiddenEffects xmlns:a14="http://schemas.microsoft.com/office/drawing/2010/main" xmlns="">
+                          <a14:hiddenEffects xmlns="" xmlns:a14="http://schemas.microsoft.com/office/drawing/2010/main">
                             <a:effectLst>
                               <a:outerShdw blurRad="63500" dist="38099" dir="2700000" algn="ctr" rotWithShape="0">
                                 <a:schemeClr val="bg2">
@@ -21555,7 +21548,7 @@
           <a:graphicData uri="http://schemas.openxmlformats.org/presentationml/2006/ole">
             <mc:AlternateContent xmlns:mc="http://schemas.openxmlformats.org/markup-compatibility/2006">
               <mc:Choice xmlns:v="urn:schemas-microsoft-com:vml" Requires="v">
-                <p:oleObj spid="_x0000_s14389" name="Equation" r:id="rId8" imgW="126720" imgH="164880" progId="Equation.3">
+                <p:oleObj spid="_x0000_s14395" name="Equation" r:id="rId8" imgW="126720" imgH="164880" progId="Equation.3">
                   <p:embed/>
                 </p:oleObj>
               </mc:Choice>
@@ -21598,14 +21591,14 @@
                       <a:effectLst/>
                       <a:extLst>
                         <a:ext uri="{909E8E84-426E-40dd-AFC4-6F175D3DCCD1}">
-                          <a14:hiddenFill xmlns:a14="http://schemas.microsoft.com/office/drawing/2010/main" xmlns="">
+                          <a14:hiddenFill xmlns="" xmlns:a14="http://schemas.microsoft.com/office/drawing/2010/main">
                             <a:solidFill>
                               <a:schemeClr val="accent1"/>
                             </a:solidFill>
                           </a14:hiddenFill>
                         </a:ext>
                         <a:ext uri="{91240B29-F687-4f45-9708-019B960494DF}">
-                          <a14:hiddenLine xmlns:a14="http://schemas.microsoft.com/office/drawing/2010/main" xmlns="" w="9525">
+                          <a14:hiddenLine xmlns="" xmlns:a14="http://schemas.microsoft.com/office/drawing/2010/main" w="9525">
                             <a:solidFill>
                               <a:schemeClr val="tx1"/>
                             </a:solidFill>
@@ -21615,7 +21608,7 @@
                           </a14:hiddenLine>
                         </a:ext>
                         <a:ext uri="{AF507438-7753-43e0-B8FC-AC1667EBCBE1}">
-                          <a14:hiddenEffects xmlns:a14="http://schemas.microsoft.com/office/drawing/2010/main" xmlns="">
+                          <a14:hiddenEffects xmlns="" xmlns:a14="http://schemas.microsoft.com/office/drawing/2010/main">
                             <a:effectLst>
                               <a:outerShdw blurRad="63500" dist="38099" dir="2700000" algn="ctr" rotWithShape="0">
                                 <a:schemeClr val="bg2">
@@ -21650,7 +21643,7 @@
           <a:graphicData uri="http://schemas.openxmlformats.org/presentationml/2006/ole">
             <mc:AlternateContent xmlns:mc="http://schemas.openxmlformats.org/markup-compatibility/2006">
               <mc:Choice xmlns:v="urn:schemas-microsoft-com:vml" Requires="v">
-                <p:oleObj spid="_x0000_s14390" name="Equation" r:id="rId10" imgW="114120" imgH="177480" progId="Equation.3">
+                <p:oleObj spid="_x0000_s14396" name="Equation" r:id="rId10" imgW="114120" imgH="177480" progId="Equation.3">
                   <p:embed/>
                 </p:oleObj>
               </mc:Choice>
@@ -21693,14 +21686,14 @@
                       <a:effectLst/>
                       <a:extLst>
                         <a:ext uri="{909E8E84-426E-40dd-AFC4-6F175D3DCCD1}">
-                          <a14:hiddenFill xmlns:a14="http://schemas.microsoft.com/office/drawing/2010/main" xmlns="">
+                          <a14:hiddenFill xmlns="" xmlns:a14="http://schemas.microsoft.com/office/drawing/2010/main">
                             <a:solidFill>
                               <a:schemeClr val="accent1"/>
                             </a:solidFill>
                           </a14:hiddenFill>
                         </a:ext>
                         <a:ext uri="{91240B29-F687-4f45-9708-019B960494DF}">
-                          <a14:hiddenLine xmlns:a14="http://schemas.microsoft.com/office/drawing/2010/main" xmlns="" w="9525">
+                          <a14:hiddenLine xmlns="" xmlns:a14="http://schemas.microsoft.com/office/drawing/2010/main" w="9525">
                             <a:solidFill>
                               <a:schemeClr val="tx1"/>
                             </a:solidFill>
@@ -21710,7 +21703,7 @@
                           </a14:hiddenLine>
                         </a:ext>
                         <a:ext uri="{AF507438-7753-43e0-B8FC-AC1667EBCBE1}">
-                          <a14:hiddenEffects xmlns:a14="http://schemas.microsoft.com/office/drawing/2010/main" xmlns="">
+                          <a14:hiddenEffects xmlns="" xmlns:a14="http://schemas.microsoft.com/office/drawing/2010/main">
                             <a:effectLst>
                               <a:outerShdw blurRad="63500" dist="38099" dir="2700000" algn="ctr" rotWithShape="0">
                                 <a:schemeClr val="bg2">
@@ -21745,7 +21738,7 @@
           <a:graphicData uri="http://schemas.openxmlformats.org/presentationml/2006/ole">
             <mc:AlternateContent xmlns:mc="http://schemas.openxmlformats.org/markup-compatibility/2006">
               <mc:Choice xmlns:v="urn:schemas-microsoft-com:vml" Requires="v">
-                <p:oleObj spid="_x0000_s14391" name="Equation" r:id="rId12" imgW="1765080" imgH="888840" progId="Equation.3">
+                <p:oleObj spid="_x0000_s14397" name="Equation" r:id="rId12" imgW="1765080" imgH="888840" progId="Equation.3">
                   <p:embed/>
                 </p:oleObj>
               </mc:Choice>
@@ -21788,14 +21781,14 @@
                       <a:effectLst/>
                       <a:extLst>
                         <a:ext uri="{909E8E84-426E-40dd-AFC4-6F175D3DCCD1}">
-                          <a14:hiddenFill xmlns:a14="http://schemas.microsoft.com/office/drawing/2010/main" xmlns="">
+                          <a14:hiddenFill xmlns="" xmlns:a14="http://schemas.microsoft.com/office/drawing/2010/main">
                             <a:solidFill>
                               <a:schemeClr val="accent1"/>
                             </a:solidFill>
                           </a14:hiddenFill>
                         </a:ext>
                         <a:ext uri="{91240B29-F687-4f45-9708-019B960494DF}">
-                          <a14:hiddenLine xmlns:a14="http://schemas.microsoft.com/office/drawing/2010/main" xmlns="" w="9525">
+                          <a14:hiddenLine xmlns="" xmlns:a14="http://schemas.microsoft.com/office/drawing/2010/main" w="9525">
                             <a:solidFill>
                               <a:schemeClr val="tx1"/>
                             </a:solidFill>
@@ -21805,7 +21798,7 @@
                           </a14:hiddenLine>
                         </a:ext>
                         <a:ext uri="{AF507438-7753-43e0-B8FC-AC1667EBCBE1}">
-                          <a14:hiddenEffects xmlns:a14="http://schemas.microsoft.com/office/drawing/2010/main" xmlns="">
+                          <a14:hiddenEffects xmlns="" xmlns:a14="http://schemas.microsoft.com/office/drawing/2010/main">
                             <a:effectLst>
                               <a:outerShdw blurRad="63500" dist="38099" dir="2700000" algn="ctr" rotWithShape="0">
                                 <a:schemeClr val="bg2">
@@ -21918,7 +21911,7 @@
           <a:graphicData uri="http://schemas.openxmlformats.org/presentationml/2006/ole">
             <mc:AlternateContent xmlns:mc="http://schemas.openxmlformats.org/markup-compatibility/2006">
               <mc:Choice xmlns:v="urn:schemas-microsoft-com:vml" Requires="v">
-                <p:oleObj spid="_x0000_s14392" name="Equation" r:id="rId14" imgW="672840" imgH="457200" progId="Equation.3">
+                <p:oleObj spid="_x0000_s14398" name="Equation" r:id="rId14" imgW="672840" imgH="457200" progId="Equation.3">
                   <p:embed/>
                 </p:oleObj>
               </mc:Choice>
@@ -21961,14 +21954,14 @@
                       <a:effectLst/>
                       <a:extLst>
                         <a:ext uri="{909E8E84-426E-40dd-AFC4-6F175D3DCCD1}">
-                          <a14:hiddenFill xmlns:a14="http://schemas.microsoft.com/office/drawing/2010/main" xmlns="">
+                          <a14:hiddenFill xmlns="" xmlns:a14="http://schemas.microsoft.com/office/drawing/2010/main">
                             <a:solidFill>
                               <a:schemeClr val="accent1"/>
                             </a:solidFill>
                           </a14:hiddenFill>
                         </a:ext>
                         <a:ext uri="{91240B29-F687-4f45-9708-019B960494DF}">
-                          <a14:hiddenLine xmlns:a14="http://schemas.microsoft.com/office/drawing/2010/main" xmlns="" w="9525">
+                          <a14:hiddenLine xmlns="" xmlns:a14="http://schemas.microsoft.com/office/drawing/2010/main" w="9525">
                             <a:solidFill>
                               <a:schemeClr val="tx1"/>
                             </a:solidFill>
@@ -21978,7 +21971,7 @@
                           </a14:hiddenLine>
                         </a:ext>
                         <a:ext uri="{AF507438-7753-43e0-B8FC-AC1667EBCBE1}">
-                          <a14:hiddenEffects xmlns:a14="http://schemas.microsoft.com/office/drawing/2010/main" xmlns="">
+                          <a14:hiddenEffects xmlns="" xmlns:a14="http://schemas.microsoft.com/office/drawing/2010/main">
                             <a:effectLst>
                               <a:outerShdw blurRad="63500" dist="38099" dir="2700000" algn="ctr" rotWithShape="0">
                                 <a:schemeClr val="bg2">
@@ -22109,7 +22102,7 @@
           <a:graphicData uri="http://schemas.openxmlformats.org/presentationml/2006/ole">
             <mc:AlternateContent xmlns:mc="http://schemas.openxmlformats.org/markup-compatibility/2006">
               <mc:Choice xmlns:v="urn:schemas-microsoft-com:vml" Requires="v">
-                <p:oleObj spid="_x0000_s15394" name="Equation" r:id="rId5" imgW="965200" imgH="304800" progId="Equation.3">
+                <p:oleObj spid="_x0000_s15398" name="Equation" r:id="rId5" imgW="965200" imgH="304800" progId="Equation.3">
                   <p:embed/>
                 </p:oleObj>
               </mc:Choice>
@@ -22146,14 +22139,14 @@
                       <a:effectLst/>
                       <a:extLst>
                         <a:ext uri="{909E8E84-426E-40dd-AFC4-6F175D3DCCD1}">
-                          <a14:hiddenFill xmlns:a14="http://schemas.microsoft.com/office/drawing/2010/main" xmlns="">
+                          <a14:hiddenFill xmlns="" xmlns:a14="http://schemas.microsoft.com/office/drawing/2010/main">
                             <a:solidFill>
                               <a:schemeClr val="accent1"/>
                             </a:solidFill>
                           </a14:hiddenFill>
                         </a:ext>
                         <a:ext uri="{91240B29-F687-4f45-9708-019B960494DF}">
-                          <a14:hiddenLine xmlns:a14="http://schemas.microsoft.com/office/drawing/2010/main" xmlns="" w="9525">
+                          <a14:hiddenLine xmlns="" xmlns:a14="http://schemas.microsoft.com/office/drawing/2010/main" w="9525">
                             <a:solidFill>
                               <a:schemeClr val="tx1"/>
                             </a:solidFill>
@@ -22163,7 +22156,7 @@
                           </a14:hiddenLine>
                         </a:ext>
                         <a:ext uri="{AF507438-7753-43e0-B8FC-AC1667EBCBE1}">
-                          <a14:hiddenEffects xmlns:a14="http://schemas.microsoft.com/office/drawing/2010/main" xmlns="">
+                          <a14:hiddenEffects xmlns="" xmlns:a14="http://schemas.microsoft.com/office/drawing/2010/main">
                             <a:effectLst>
                               <a:outerShdw blurRad="63500" dist="38099" dir="2700000" algn="ctr" rotWithShape="0">
                                 <a:schemeClr val="bg2">
@@ -22204,7 +22197,7 @@
           <a:graphicData uri="http://schemas.openxmlformats.org/presentationml/2006/ole">
             <mc:AlternateContent xmlns:mc="http://schemas.openxmlformats.org/markup-compatibility/2006">
               <mc:Choice xmlns:v="urn:schemas-microsoft-com:vml" Requires="v">
-                <p:oleObj spid="_x0000_s15395" name="Equation" r:id="rId7" imgW="203040" imgH="164880" progId="Equation.3">
+                <p:oleObj spid="_x0000_s15399" name="Equation" r:id="rId7" imgW="203040" imgH="164880" progId="Equation.3">
                   <p:embed/>
                 </p:oleObj>
               </mc:Choice>
@@ -22247,14 +22240,14 @@
                       <a:effectLst/>
                       <a:extLst>
                         <a:ext uri="{909E8E84-426E-40dd-AFC4-6F175D3DCCD1}">
-                          <a14:hiddenFill xmlns:a14="http://schemas.microsoft.com/office/drawing/2010/main" xmlns="">
+                          <a14:hiddenFill xmlns="" xmlns:a14="http://schemas.microsoft.com/office/drawing/2010/main">
                             <a:solidFill>
                               <a:schemeClr val="accent1"/>
                             </a:solidFill>
                           </a14:hiddenFill>
                         </a:ext>
                         <a:ext uri="{91240B29-F687-4f45-9708-019B960494DF}">
-                          <a14:hiddenLine xmlns:a14="http://schemas.microsoft.com/office/drawing/2010/main" xmlns="" w="9525">
+                          <a14:hiddenLine xmlns="" xmlns:a14="http://schemas.microsoft.com/office/drawing/2010/main" w="9525">
                             <a:solidFill>
                               <a:schemeClr val="tx1"/>
                             </a:solidFill>
@@ -22264,7 +22257,7 @@
                           </a14:hiddenLine>
                         </a:ext>
                         <a:ext uri="{AF507438-7753-43e0-B8FC-AC1667EBCBE1}">
-                          <a14:hiddenEffects xmlns:a14="http://schemas.microsoft.com/office/drawing/2010/main" xmlns="">
+                          <a14:hiddenEffects xmlns="" xmlns:a14="http://schemas.microsoft.com/office/drawing/2010/main">
                             <a:effectLst>
                               <a:outerShdw blurRad="63500" dist="38099" dir="2700000" algn="ctr" rotWithShape="0">
                                 <a:schemeClr val="bg2">
@@ -22305,7 +22298,7 @@
           <a:graphicData uri="http://schemas.openxmlformats.org/presentationml/2006/ole">
             <mc:AlternateContent xmlns:mc="http://schemas.openxmlformats.org/markup-compatibility/2006">
               <mc:Choice xmlns:v="urn:schemas-microsoft-com:vml" Requires="v">
-                <p:oleObj spid="_x0000_s15396" name="Equation" r:id="rId9" imgW="1282680" imgH="177480" progId="Equation.3">
+                <p:oleObj spid="_x0000_s15400" name="Equation" r:id="rId9" imgW="1282680" imgH="177480" progId="Equation.3">
                   <p:embed/>
                 </p:oleObj>
               </mc:Choice>
@@ -22348,14 +22341,14 @@
                       <a:effectLst/>
                       <a:extLst>
                         <a:ext uri="{909E8E84-426E-40dd-AFC4-6F175D3DCCD1}">
-                          <a14:hiddenFill xmlns:a14="http://schemas.microsoft.com/office/drawing/2010/main" xmlns="">
+                          <a14:hiddenFill xmlns="" xmlns:a14="http://schemas.microsoft.com/office/drawing/2010/main">
                             <a:solidFill>
                               <a:schemeClr val="accent1"/>
                             </a:solidFill>
                           </a14:hiddenFill>
                         </a:ext>
                         <a:ext uri="{91240B29-F687-4f45-9708-019B960494DF}">
-                          <a14:hiddenLine xmlns:a14="http://schemas.microsoft.com/office/drawing/2010/main" xmlns="" w="9525">
+                          <a14:hiddenLine xmlns="" xmlns:a14="http://schemas.microsoft.com/office/drawing/2010/main" w="9525">
                             <a:solidFill>
                               <a:schemeClr val="tx1"/>
                             </a:solidFill>
@@ -22365,7 +22358,7 @@
                           </a14:hiddenLine>
                         </a:ext>
                         <a:ext uri="{AF507438-7753-43e0-B8FC-AC1667EBCBE1}">
-                          <a14:hiddenEffects xmlns:a14="http://schemas.microsoft.com/office/drawing/2010/main" xmlns="">
+                          <a14:hiddenEffects xmlns="" xmlns:a14="http://schemas.microsoft.com/office/drawing/2010/main">
                             <a:effectLst>
                               <a:outerShdw blurRad="63500" dist="38099" dir="2700000" algn="ctr" rotWithShape="0">
                                 <a:schemeClr val="bg2">
@@ -22498,7 +22491,7 @@
           <a:graphicData uri="http://schemas.openxmlformats.org/presentationml/2006/ole">
             <mc:AlternateContent xmlns:mc="http://schemas.openxmlformats.org/markup-compatibility/2006">
               <mc:Choice xmlns:v="urn:schemas-microsoft-com:vml" Requires="v">
-                <p:oleObj spid="_x0000_s15397" name="Equation" r:id="rId13" imgW="1346200" imgH="241300" progId="Equation.3">
+                <p:oleObj spid="_x0000_s15401" name="Equation" r:id="rId13" imgW="1346200" imgH="241300" progId="Equation.3">
                   <p:embed/>
                 </p:oleObj>
               </mc:Choice>
@@ -22535,14 +22528,14 @@
                       <a:effectLst/>
                       <a:extLst>
                         <a:ext uri="{909E8E84-426E-40dd-AFC4-6F175D3DCCD1}">
-                          <a14:hiddenFill xmlns:a14="http://schemas.microsoft.com/office/drawing/2010/main" xmlns="">
+                          <a14:hiddenFill xmlns="" xmlns:a14="http://schemas.microsoft.com/office/drawing/2010/main">
                             <a:solidFill>
                               <a:schemeClr val="accent1"/>
                             </a:solidFill>
                           </a14:hiddenFill>
                         </a:ext>
                         <a:ext uri="{91240B29-F687-4f45-9708-019B960494DF}">
-                          <a14:hiddenLine xmlns:a14="http://schemas.microsoft.com/office/drawing/2010/main" xmlns="" w="9525">
+                          <a14:hiddenLine xmlns="" xmlns:a14="http://schemas.microsoft.com/office/drawing/2010/main" w="9525">
                             <a:solidFill>
                               <a:schemeClr val="tx1"/>
                             </a:solidFill>
@@ -22552,7 +22545,7 @@
                           </a14:hiddenLine>
                         </a:ext>
                         <a:ext uri="{AF507438-7753-43e0-B8FC-AC1667EBCBE1}">
-                          <a14:hiddenEffects xmlns:a14="http://schemas.microsoft.com/office/drawing/2010/main" xmlns="">
+                          <a14:hiddenEffects xmlns="" xmlns:a14="http://schemas.microsoft.com/office/drawing/2010/main">
                             <a:effectLst>
                               <a:outerShdw blurRad="63500" dist="38099" dir="2700000" algn="ctr" rotWithShape="0">
                                 <a:schemeClr val="bg2">
@@ -27206,7 +27199,7 @@
           <a:graphicData uri="http://schemas.openxmlformats.org/presentationml/2006/ole">
             <mc:AlternateContent xmlns:mc="http://schemas.openxmlformats.org/markup-compatibility/2006">
               <mc:Choice xmlns:v="urn:schemas-microsoft-com:vml" Requires="v">
-                <p:oleObj spid="_x0000_s16411" name="Equation" r:id="rId4" imgW="203040" imgH="164880" progId="Equation.3">
+                <p:oleObj spid="_x0000_s16414" name="Equation" r:id="rId4" imgW="203040" imgH="164880" progId="Equation.3">
                   <p:embed/>
                 </p:oleObj>
               </mc:Choice>
@@ -27249,14 +27242,14 @@
                       <a:effectLst/>
                       <a:extLst>
                         <a:ext uri="{909E8E84-426E-40dd-AFC4-6F175D3DCCD1}">
-                          <a14:hiddenFill xmlns:a14="http://schemas.microsoft.com/office/drawing/2010/main" xmlns="">
+                          <a14:hiddenFill xmlns="" xmlns:a14="http://schemas.microsoft.com/office/drawing/2010/main">
                             <a:solidFill>
                               <a:schemeClr val="accent1"/>
                             </a:solidFill>
                           </a14:hiddenFill>
                         </a:ext>
                         <a:ext uri="{91240B29-F687-4f45-9708-019B960494DF}">
-                          <a14:hiddenLine xmlns:a14="http://schemas.microsoft.com/office/drawing/2010/main" xmlns="" w="9525">
+                          <a14:hiddenLine xmlns="" xmlns:a14="http://schemas.microsoft.com/office/drawing/2010/main" w="9525">
                             <a:solidFill>
                               <a:schemeClr val="tx1"/>
                             </a:solidFill>
@@ -27266,7 +27259,7 @@
                           </a14:hiddenLine>
                         </a:ext>
                         <a:ext uri="{AF507438-7753-43e0-B8FC-AC1667EBCBE1}">
-                          <a14:hiddenEffects xmlns:a14="http://schemas.microsoft.com/office/drawing/2010/main" xmlns="">
+                          <a14:hiddenEffects xmlns="" xmlns:a14="http://schemas.microsoft.com/office/drawing/2010/main">
                             <a:effectLst>
                               <a:outerShdw blurRad="63500" dist="38099" dir="2700000" algn="ctr" rotWithShape="0">
                                 <a:schemeClr val="bg2">
@@ -27307,7 +27300,7 @@
           <a:graphicData uri="http://schemas.openxmlformats.org/presentationml/2006/ole">
             <mc:AlternateContent xmlns:mc="http://schemas.openxmlformats.org/markup-compatibility/2006">
               <mc:Choice xmlns:v="urn:schemas-microsoft-com:vml" Requires="v">
-                <p:oleObj spid="_x0000_s16412" name="Equation" r:id="rId6" imgW="1282680" imgH="177480" progId="Equation.3">
+                <p:oleObj spid="_x0000_s16415" name="Equation" r:id="rId6" imgW="1282680" imgH="177480" progId="Equation.3">
                   <p:embed/>
                 </p:oleObj>
               </mc:Choice>
@@ -27350,14 +27343,14 @@
                       <a:effectLst/>
                       <a:extLst>
                         <a:ext uri="{909E8E84-426E-40dd-AFC4-6F175D3DCCD1}">
-                          <a14:hiddenFill xmlns:a14="http://schemas.microsoft.com/office/drawing/2010/main" xmlns="">
+                          <a14:hiddenFill xmlns="" xmlns:a14="http://schemas.microsoft.com/office/drawing/2010/main">
                             <a:solidFill>
                               <a:schemeClr val="accent1"/>
                             </a:solidFill>
                           </a14:hiddenFill>
                         </a:ext>
                         <a:ext uri="{91240B29-F687-4f45-9708-019B960494DF}">
-                          <a14:hiddenLine xmlns:a14="http://schemas.microsoft.com/office/drawing/2010/main" xmlns="" w="9525">
+                          <a14:hiddenLine xmlns="" xmlns:a14="http://schemas.microsoft.com/office/drawing/2010/main" w="9525">
                             <a:solidFill>
                               <a:schemeClr val="tx1"/>
                             </a:solidFill>
@@ -27367,7 +27360,7 @@
                           </a14:hiddenLine>
                         </a:ext>
                         <a:ext uri="{AF507438-7753-43e0-B8FC-AC1667EBCBE1}">
-                          <a14:hiddenEffects xmlns:a14="http://schemas.microsoft.com/office/drawing/2010/main" xmlns="">
+                          <a14:hiddenEffects xmlns="" xmlns:a14="http://schemas.microsoft.com/office/drawing/2010/main">
                             <a:effectLst>
                               <a:outerShdw blurRad="63500" dist="38099" dir="2700000" algn="ctr" rotWithShape="0">
                                 <a:schemeClr val="bg2">
@@ -27498,7 +27491,7 @@
           <a:graphicData uri="http://schemas.openxmlformats.org/presentationml/2006/ole">
             <mc:AlternateContent xmlns:mc="http://schemas.openxmlformats.org/markup-compatibility/2006">
               <mc:Choice xmlns:v="urn:schemas-microsoft-com:vml" Requires="v">
-                <p:oleObj spid="_x0000_s16413" name="Equation" r:id="rId11" imgW="660240" imgH="406080" progId="Equation.3">
+                <p:oleObj spid="_x0000_s16416" name="Equation" r:id="rId11" imgW="660240" imgH="406080" progId="Equation.3">
                   <p:embed/>
                 </p:oleObj>
               </mc:Choice>
@@ -27541,14 +27534,14 @@
                       <a:effectLst/>
                       <a:extLst>
                         <a:ext uri="{909E8E84-426E-40dd-AFC4-6F175D3DCCD1}">
-                          <a14:hiddenFill xmlns:a14="http://schemas.microsoft.com/office/drawing/2010/main" xmlns="">
+                          <a14:hiddenFill xmlns="" xmlns:a14="http://schemas.microsoft.com/office/drawing/2010/main">
                             <a:solidFill>
                               <a:schemeClr val="accent1"/>
                             </a:solidFill>
                           </a14:hiddenFill>
                         </a:ext>
                         <a:ext uri="{91240B29-F687-4f45-9708-019B960494DF}">
-                          <a14:hiddenLine xmlns:a14="http://schemas.microsoft.com/office/drawing/2010/main" xmlns="" w="9525">
+                          <a14:hiddenLine xmlns="" xmlns:a14="http://schemas.microsoft.com/office/drawing/2010/main" w="9525">
                             <a:solidFill>
                               <a:schemeClr val="tx1"/>
                             </a:solidFill>
@@ -27558,7 +27551,7 @@
                           </a14:hiddenLine>
                         </a:ext>
                         <a:ext uri="{AF507438-7753-43e0-B8FC-AC1667EBCBE1}">
-                          <a14:hiddenEffects xmlns:a14="http://schemas.microsoft.com/office/drawing/2010/main" xmlns="">
+                          <a14:hiddenEffects xmlns="" xmlns:a14="http://schemas.microsoft.com/office/drawing/2010/main">
                             <a:effectLst>
                               <a:outerShdw blurRad="63500" dist="38099" dir="2700000" algn="ctr" rotWithShape="0">
                                 <a:schemeClr val="bg2">
@@ -34560,7 +34553,7 @@
           <a:graphicData uri="http://schemas.openxmlformats.org/presentationml/2006/ole">
             <mc:AlternateContent xmlns:mc="http://schemas.openxmlformats.org/markup-compatibility/2006">
               <mc:Choice xmlns:v="urn:schemas-microsoft-com:vml" Requires="v">
-                <p:oleObj spid="_x0000_s32791" name="Equation" r:id="rId4" imgW="799920" imgH="711000" progId="Equation.3">
+                <p:oleObj spid="_x0000_s32798" name="Equation" r:id="rId4" imgW="799920" imgH="711000" progId="Equation.3">
                   <p:embed/>
                 </p:oleObj>
               </mc:Choice>
@@ -34603,14 +34596,14 @@
                       <a:effectLst/>
                       <a:extLst>
                         <a:ext uri="{909E8E84-426E-40dd-AFC4-6F175D3DCCD1}">
-                          <a14:hiddenFill xmlns:a14="http://schemas.microsoft.com/office/drawing/2010/main" xmlns="">
+                          <a14:hiddenFill xmlns="" xmlns:a14="http://schemas.microsoft.com/office/drawing/2010/main">
                             <a:solidFill>
                               <a:schemeClr val="accent1"/>
                             </a:solidFill>
                           </a14:hiddenFill>
                         </a:ext>
                         <a:ext uri="{91240B29-F687-4f45-9708-019B960494DF}">
-                          <a14:hiddenLine xmlns:a14="http://schemas.microsoft.com/office/drawing/2010/main" xmlns="" w="9525">
+                          <a14:hiddenLine xmlns="" xmlns:a14="http://schemas.microsoft.com/office/drawing/2010/main" w="9525">
                             <a:solidFill>
                               <a:schemeClr val="tx1"/>
                             </a:solidFill>
@@ -34620,7 +34613,7 @@
                           </a14:hiddenLine>
                         </a:ext>
                         <a:ext uri="{AF507438-7753-43e0-B8FC-AC1667EBCBE1}">
-                          <a14:hiddenEffects xmlns:a14="http://schemas.microsoft.com/office/drawing/2010/main" xmlns="">
+                          <a14:hiddenEffects xmlns="" xmlns:a14="http://schemas.microsoft.com/office/drawing/2010/main">
                             <a:effectLst>
                               <a:outerShdw blurRad="63500" dist="38099" dir="2700000" algn="ctr" rotWithShape="0">
                                 <a:schemeClr val="bg2">
@@ -34655,7 +34648,7 @@
           <a:graphicData uri="http://schemas.openxmlformats.org/presentationml/2006/ole">
             <mc:AlternateContent xmlns:mc="http://schemas.openxmlformats.org/markup-compatibility/2006">
               <mc:Choice xmlns:v="urn:schemas-microsoft-com:vml" Requires="v">
-                <p:oleObj spid="_x0000_s32792" name="Equation" r:id="rId6" imgW="965160" imgH="711000" progId="Equation.3">
+                <p:oleObj spid="_x0000_s32799" name="Equation" r:id="rId6" imgW="965160" imgH="711000" progId="Equation.3">
                   <p:embed/>
                 </p:oleObj>
               </mc:Choice>
@@ -34698,14 +34691,14 @@
                       <a:effectLst/>
                       <a:extLst>
                         <a:ext uri="{909E8E84-426E-40dd-AFC4-6F175D3DCCD1}">
-                          <a14:hiddenFill xmlns:a14="http://schemas.microsoft.com/office/drawing/2010/main" xmlns="">
+                          <a14:hiddenFill xmlns="" xmlns:a14="http://schemas.microsoft.com/office/drawing/2010/main">
                             <a:solidFill>
                               <a:schemeClr val="accent1"/>
                             </a:solidFill>
                           </a14:hiddenFill>
                         </a:ext>
                         <a:ext uri="{91240B29-F687-4f45-9708-019B960494DF}">
-                          <a14:hiddenLine xmlns:a14="http://schemas.microsoft.com/office/drawing/2010/main" xmlns="" w="9525">
+                          <a14:hiddenLine xmlns="" xmlns:a14="http://schemas.microsoft.com/office/drawing/2010/main" w="9525">
                             <a:solidFill>
                               <a:schemeClr val="tx1"/>
                             </a:solidFill>
@@ -34715,7 +34708,7 @@
                           </a14:hiddenLine>
                         </a:ext>
                         <a:ext uri="{AF507438-7753-43e0-B8FC-AC1667EBCBE1}">
-                          <a14:hiddenEffects xmlns:a14="http://schemas.microsoft.com/office/drawing/2010/main" xmlns="">
+                          <a14:hiddenEffects xmlns="" xmlns:a14="http://schemas.microsoft.com/office/drawing/2010/main">
                             <a:effectLst>
                               <a:outerShdw blurRad="63500" dist="38099" dir="2700000" algn="ctr" rotWithShape="0">
                                 <a:schemeClr val="bg2">
@@ -34750,7 +34743,7 @@
           <a:graphicData uri="http://schemas.openxmlformats.org/presentationml/2006/ole">
             <mc:AlternateContent xmlns:mc="http://schemas.openxmlformats.org/markup-compatibility/2006">
               <mc:Choice xmlns:v="urn:schemas-microsoft-com:vml" Requires="v">
-                <p:oleObj spid="_x0000_s32793" name="Equation" r:id="rId8" imgW="101520" imgH="126720" progId="Equation.3">
+                <p:oleObj spid="_x0000_s32800" name="Equation" r:id="rId8" imgW="101520" imgH="126720" progId="Equation.3">
                   <p:embed/>
                 </p:oleObj>
               </mc:Choice>
@@ -34793,14 +34786,14 @@
                       <a:effectLst/>
                       <a:extLst>
                         <a:ext uri="{909E8E84-426E-40dd-AFC4-6F175D3DCCD1}">
-                          <a14:hiddenFill xmlns:a14="http://schemas.microsoft.com/office/drawing/2010/main" xmlns="">
+                          <a14:hiddenFill xmlns="" xmlns:a14="http://schemas.microsoft.com/office/drawing/2010/main">
                             <a:solidFill>
                               <a:schemeClr val="accent1"/>
                             </a:solidFill>
                           </a14:hiddenFill>
                         </a:ext>
                         <a:ext uri="{91240B29-F687-4f45-9708-019B960494DF}">
-                          <a14:hiddenLine xmlns:a14="http://schemas.microsoft.com/office/drawing/2010/main" xmlns="" w="9525">
+                          <a14:hiddenLine xmlns="" xmlns:a14="http://schemas.microsoft.com/office/drawing/2010/main" w="9525">
                             <a:solidFill>
                               <a:schemeClr val="tx1"/>
                             </a:solidFill>
@@ -34810,7 +34803,7 @@
                           </a14:hiddenLine>
                         </a:ext>
                         <a:ext uri="{AF507438-7753-43e0-B8FC-AC1667EBCBE1}">
-                          <a14:hiddenEffects xmlns:a14="http://schemas.microsoft.com/office/drawing/2010/main" xmlns="">
+                          <a14:hiddenEffects xmlns="" xmlns:a14="http://schemas.microsoft.com/office/drawing/2010/main">
                             <a:effectLst>
                               <a:outerShdw blurRad="63500" dist="38099" dir="2700000" algn="ctr" rotWithShape="0">
                                 <a:schemeClr val="bg2">
@@ -34845,7 +34838,7 @@
           <a:graphicData uri="http://schemas.openxmlformats.org/presentationml/2006/ole">
             <mc:AlternateContent xmlns:mc="http://schemas.openxmlformats.org/markup-compatibility/2006">
               <mc:Choice xmlns:v="urn:schemas-microsoft-com:vml" Requires="v">
-                <p:oleObj spid="_x0000_s32794" name="Equation" r:id="rId10" imgW="101520" imgH="126720" progId="Equation.3">
+                <p:oleObj spid="_x0000_s32801" name="Equation" r:id="rId10" imgW="101520" imgH="126720" progId="Equation.3">
                   <p:embed/>
                 </p:oleObj>
               </mc:Choice>
@@ -34888,14 +34881,14 @@
                       <a:effectLst/>
                       <a:extLst>
                         <a:ext uri="{909E8E84-426E-40dd-AFC4-6F175D3DCCD1}">
-                          <a14:hiddenFill xmlns:a14="http://schemas.microsoft.com/office/drawing/2010/main" xmlns="">
+                          <a14:hiddenFill xmlns="" xmlns:a14="http://schemas.microsoft.com/office/drawing/2010/main">
                             <a:solidFill>
                               <a:schemeClr val="accent1"/>
                             </a:solidFill>
                           </a14:hiddenFill>
                         </a:ext>
                         <a:ext uri="{91240B29-F687-4f45-9708-019B960494DF}">
-                          <a14:hiddenLine xmlns:a14="http://schemas.microsoft.com/office/drawing/2010/main" xmlns="" w="9525">
+                          <a14:hiddenLine xmlns="" xmlns:a14="http://schemas.microsoft.com/office/drawing/2010/main" w="9525">
                             <a:solidFill>
                               <a:schemeClr val="tx1"/>
                             </a:solidFill>
@@ -34905,7 +34898,7 @@
                           </a14:hiddenLine>
                         </a:ext>
                         <a:ext uri="{AF507438-7753-43e0-B8FC-AC1667EBCBE1}">
-                          <a14:hiddenEffects xmlns:a14="http://schemas.microsoft.com/office/drawing/2010/main" xmlns="">
+                          <a14:hiddenEffects xmlns="" xmlns:a14="http://schemas.microsoft.com/office/drawing/2010/main">
                             <a:effectLst>
                               <a:outerShdw blurRad="63500" dist="38099" dir="2700000" algn="ctr" rotWithShape="0">
                                 <a:schemeClr val="bg2">
@@ -35016,7 +35009,7 @@
           <a:graphicData uri="http://schemas.openxmlformats.org/presentationml/2006/ole">
             <mc:AlternateContent xmlns:mc="http://schemas.openxmlformats.org/markup-compatibility/2006">
               <mc:Choice xmlns:v="urn:schemas-microsoft-com:vml" Requires="v">
-                <p:oleObj spid="_x0000_s32795" name="Equation" r:id="rId11" imgW="317160" imgH="393480" progId="Equation.3">
+                <p:oleObj spid="_x0000_s32802" name="Equation" r:id="rId11" imgW="317160" imgH="393480" progId="Equation.3">
                   <p:embed/>
                 </p:oleObj>
               </mc:Choice>
@@ -35059,14 +35052,14 @@
                       <a:effectLst/>
                       <a:extLst>
                         <a:ext uri="{909E8E84-426E-40dd-AFC4-6F175D3DCCD1}">
-                          <a14:hiddenFill xmlns:a14="http://schemas.microsoft.com/office/drawing/2010/main" xmlns="">
+                          <a14:hiddenFill xmlns="" xmlns:a14="http://schemas.microsoft.com/office/drawing/2010/main">
                             <a:solidFill>
                               <a:schemeClr val="accent1"/>
                             </a:solidFill>
                           </a14:hiddenFill>
                         </a:ext>
                         <a:ext uri="{91240B29-F687-4f45-9708-019B960494DF}">
-                          <a14:hiddenLine xmlns:a14="http://schemas.microsoft.com/office/drawing/2010/main" xmlns="" w="9525">
+                          <a14:hiddenLine xmlns="" xmlns:a14="http://schemas.microsoft.com/office/drawing/2010/main" w="9525">
                             <a:solidFill>
                               <a:schemeClr val="tx1"/>
                             </a:solidFill>
@@ -35076,7 +35069,7 @@
                           </a14:hiddenLine>
                         </a:ext>
                         <a:ext uri="{AF507438-7753-43e0-B8FC-AC1667EBCBE1}">
-                          <a14:hiddenEffects xmlns:a14="http://schemas.microsoft.com/office/drawing/2010/main" xmlns="">
+                          <a14:hiddenEffects xmlns="" xmlns:a14="http://schemas.microsoft.com/office/drawing/2010/main">
                             <a:effectLst>
                               <a:outerShdw blurRad="63500" dist="38099" dir="2700000" algn="ctr" rotWithShape="0">
                                 <a:schemeClr val="bg2">
@@ -35111,7 +35104,7 @@
           <a:graphicData uri="http://schemas.openxmlformats.org/presentationml/2006/ole">
             <mc:AlternateContent xmlns:mc="http://schemas.openxmlformats.org/markup-compatibility/2006">
               <mc:Choice xmlns:v="urn:schemas-microsoft-com:vml" Requires="v">
-                <p:oleObj spid="_x0000_s32796" name="Equation" r:id="rId13" imgW="317160" imgH="419040" progId="Equation.3">
+                <p:oleObj spid="_x0000_s32803" name="Equation" r:id="rId13" imgW="317160" imgH="419040" progId="Equation.3">
                   <p:embed/>
                 </p:oleObj>
               </mc:Choice>
@@ -35154,14 +35147,14 @@
                       <a:effectLst/>
                       <a:extLst>
                         <a:ext uri="{909E8E84-426E-40dd-AFC4-6F175D3DCCD1}">
-                          <a14:hiddenFill xmlns:a14="http://schemas.microsoft.com/office/drawing/2010/main" xmlns="">
+                          <a14:hiddenFill xmlns="" xmlns:a14="http://schemas.microsoft.com/office/drawing/2010/main">
                             <a:solidFill>
                               <a:schemeClr val="accent1"/>
                             </a:solidFill>
                           </a14:hiddenFill>
                         </a:ext>
                         <a:ext uri="{91240B29-F687-4f45-9708-019B960494DF}">
-                          <a14:hiddenLine xmlns:a14="http://schemas.microsoft.com/office/drawing/2010/main" xmlns="" w="9525">
+                          <a14:hiddenLine xmlns="" xmlns:a14="http://schemas.microsoft.com/office/drawing/2010/main" w="9525">
                             <a:solidFill>
                               <a:schemeClr val="tx1"/>
                             </a:solidFill>
@@ -35171,7 +35164,7 @@
                           </a14:hiddenLine>
                         </a:ext>
                         <a:ext uri="{AF507438-7753-43e0-B8FC-AC1667EBCBE1}">
-                          <a14:hiddenEffects xmlns:a14="http://schemas.microsoft.com/office/drawing/2010/main" xmlns="">
+                          <a14:hiddenEffects xmlns="" xmlns:a14="http://schemas.microsoft.com/office/drawing/2010/main">
                             <a:effectLst>
                               <a:outerShdw blurRad="63500" dist="38099" dir="2700000" algn="ctr" rotWithShape="0">
                                 <a:schemeClr val="bg2">
@@ -35282,7 +35275,7 @@
           <a:graphicData uri="http://schemas.openxmlformats.org/presentationml/2006/ole">
             <mc:AlternateContent xmlns:mc="http://schemas.openxmlformats.org/markup-compatibility/2006">
               <mc:Choice xmlns:v="urn:schemas-microsoft-com:vml" Requires="v">
-                <p:oleObj spid="_x0000_s32797" name="Equation" r:id="rId15" imgW="1257120" imgH="533160" progId="Equation.3">
+                <p:oleObj spid="_x0000_s32804" name="Equation" r:id="rId15" imgW="1257120" imgH="533160" progId="Equation.3">
                   <p:embed/>
                 </p:oleObj>
               </mc:Choice>
@@ -35325,14 +35318,14 @@
                       <a:effectLst/>
                       <a:extLst>
                         <a:ext uri="{909E8E84-426E-40dd-AFC4-6F175D3DCCD1}">
-                          <a14:hiddenFill xmlns:a14="http://schemas.microsoft.com/office/drawing/2010/main" xmlns="">
+                          <a14:hiddenFill xmlns="" xmlns:a14="http://schemas.microsoft.com/office/drawing/2010/main">
                             <a:solidFill>
                               <a:schemeClr val="accent1"/>
                             </a:solidFill>
                           </a14:hiddenFill>
                         </a:ext>
                         <a:ext uri="{91240B29-F687-4f45-9708-019B960494DF}">
-                          <a14:hiddenLine xmlns:a14="http://schemas.microsoft.com/office/drawing/2010/main" xmlns="" w="9525">
+                          <a14:hiddenLine xmlns="" xmlns:a14="http://schemas.microsoft.com/office/drawing/2010/main" w="9525">
                             <a:solidFill>
                               <a:schemeClr val="tx1"/>
                             </a:solidFill>
@@ -35342,7 +35335,7 @@
                           </a14:hiddenLine>
                         </a:ext>
                         <a:ext uri="{AF507438-7753-43e0-B8FC-AC1667EBCBE1}">
-                          <a14:hiddenEffects xmlns:a14="http://schemas.microsoft.com/office/drawing/2010/main" xmlns="">
+                          <a14:hiddenEffects xmlns="" xmlns:a14="http://schemas.microsoft.com/office/drawing/2010/main">
                             <a:effectLst>
                               <a:outerShdw blurRad="63500" dist="38099" dir="2700000" algn="ctr" rotWithShape="0">
                                 <a:schemeClr val="bg2">
@@ -35661,7 +35654,7 @@
           <a:graphicData uri="http://schemas.openxmlformats.org/presentationml/2006/ole">
             <mc:AlternateContent xmlns:mc="http://schemas.openxmlformats.org/markup-compatibility/2006">
               <mc:Choice xmlns:v="urn:schemas-microsoft-com:vml" Requires="v">
-                <p:oleObj spid="_x0000_s33803" name="Equation" r:id="rId7" imgW="317160" imgH="393480" progId="Equation.3">
+                <p:oleObj spid="_x0000_s33806" name="Equation" r:id="rId7" imgW="317160" imgH="393480" progId="Equation.3">
                   <p:embed/>
                 </p:oleObj>
               </mc:Choice>
@@ -35704,14 +35697,14 @@
                       <a:effectLst/>
                       <a:extLst>
                         <a:ext uri="{909E8E84-426E-40dd-AFC4-6F175D3DCCD1}">
-                          <a14:hiddenFill xmlns:a14="http://schemas.microsoft.com/office/drawing/2010/main" xmlns="">
+                          <a14:hiddenFill xmlns="" xmlns:a14="http://schemas.microsoft.com/office/drawing/2010/main">
                             <a:solidFill>
                               <a:schemeClr val="accent1"/>
                             </a:solidFill>
                           </a14:hiddenFill>
                         </a:ext>
                         <a:ext uri="{91240B29-F687-4f45-9708-019B960494DF}">
-                          <a14:hiddenLine xmlns:a14="http://schemas.microsoft.com/office/drawing/2010/main" xmlns="" w="9525">
+                          <a14:hiddenLine xmlns="" xmlns:a14="http://schemas.microsoft.com/office/drawing/2010/main" w="9525">
                             <a:solidFill>
                               <a:schemeClr val="tx1"/>
                             </a:solidFill>
@@ -35721,7 +35714,7 @@
                           </a14:hiddenLine>
                         </a:ext>
                         <a:ext uri="{AF507438-7753-43e0-B8FC-AC1667EBCBE1}">
-                          <a14:hiddenEffects xmlns:a14="http://schemas.microsoft.com/office/drawing/2010/main" xmlns="">
+                          <a14:hiddenEffects xmlns="" xmlns:a14="http://schemas.microsoft.com/office/drawing/2010/main">
                             <a:effectLst>
                               <a:outerShdw blurRad="63500" dist="38099" dir="2700000" algn="ctr" rotWithShape="0">
                                 <a:schemeClr val="bg2">
@@ -35756,7 +35749,7 @@
           <a:graphicData uri="http://schemas.openxmlformats.org/presentationml/2006/ole">
             <mc:AlternateContent xmlns:mc="http://schemas.openxmlformats.org/markup-compatibility/2006">
               <mc:Choice xmlns:v="urn:schemas-microsoft-com:vml" Requires="v">
-                <p:oleObj spid="_x0000_s33804" name="Equation" r:id="rId9" imgW="317160" imgH="419040" progId="Equation.3">
+                <p:oleObj spid="_x0000_s33807" name="Equation" r:id="rId9" imgW="317160" imgH="419040" progId="Equation.3">
                   <p:embed/>
                 </p:oleObj>
               </mc:Choice>
@@ -35799,14 +35792,14 @@
                       <a:effectLst/>
                       <a:extLst>
                         <a:ext uri="{909E8E84-426E-40dd-AFC4-6F175D3DCCD1}">
-                          <a14:hiddenFill xmlns:a14="http://schemas.microsoft.com/office/drawing/2010/main" xmlns="">
+                          <a14:hiddenFill xmlns="" xmlns:a14="http://schemas.microsoft.com/office/drawing/2010/main">
                             <a:solidFill>
                               <a:schemeClr val="accent1"/>
                             </a:solidFill>
                           </a14:hiddenFill>
                         </a:ext>
                         <a:ext uri="{91240B29-F687-4f45-9708-019B960494DF}">
-                          <a14:hiddenLine xmlns:a14="http://schemas.microsoft.com/office/drawing/2010/main" xmlns="" w="9525">
+                          <a14:hiddenLine xmlns="" xmlns:a14="http://schemas.microsoft.com/office/drawing/2010/main" w="9525">
                             <a:solidFill>
                               <a:schemeClr val="tx1"/>
                             </a:solidFill>
@@ -35816,7 +35809,7 @@
                           </a14:hiddenLine>
                         </a:ext>
                         <a:ext uri="{AF507438-7753-43e0-B8FC-AC1667EBCBE1}">
-                          <a14:hiddenEffects xmlns:a14="http://schemas.microsoft.com/office/drawing/2010/main" xmlns="">
+                          <a14:hiddenEffects xmlns="" xmlns:a14="http://schemas.microsoft.com/office/drawing/2010/main">
                             <a:effectLst>
                               <a:outerShdw blurRad="63500" dist="38099" dir="2700000" algn="ctr" rotWithShape="0">
                                 <a:schemeClr val="bg2">
@@ -35851,7 +35844,7 @@
           <a:graphicData uri="http://schemas.openxmlformats.org/presentationml/2006/ole">
             <mc:AlternateContent xmlns:mc="http://schemas.openxmlformats.org/markup-compatibility/2006">
               <mc:Choice xmlns:v="urn:schemas-microsoft-com:vml" Requires="v">
-                <p:oleObj spid="_x0000_s33805" name="Equation" r:id="rId11" imgW="126720" imgH="164880" progId="Equation.3">
+                <p:oleObj spid="_x0000_s33808" name="Equation" r:id="rId11" imgW="126720" imgH="164880" progId="Equation.3">
                   <p:embed/>
                 </p:oleObj>
               </mc:Choice>
@@ -35894,14 +35887,14 @@
                       <a:effectLst/>
                       <a:extLst>
                         <a:ext uri="{909E8E84-426E-40dd-AFC4-6F175D3DCCD1}">
-                          <a14:hiddenFill xmlns:a14="http://schemas.microsoft.com/office/drawing/2010/main" xmlns="">
+                          <a14:hiddenFill xmlns="" xmlns:a14="http://schemas.microsoft.com/office/drawing/2010/main">
                             <a:solidFill>
                               <a:schemeClr val="accent1"/>
                             </a:solidFill>
                           </a14:hiddenFill>
                         </a:ext>
                         <a:ext uri="{91240B29-F687-4f45-9708-019B960494DF}">
-                          <a14:hiddenLine xmlns:a14="http://schemas.microsoft.com/office/drawing/2010/main" xmlns="" w="9525">
+                          <a14:hiddenLine xmlns="" xmlns:a14="http://schemas.microsoft.com/office/drawing/2010/main" w="9525">
                             <a:solidFill>
                               <a:schemeClr val="tx1"/>
                             </a:solidFill>
@@ -35911,7 +35904,7 @@
                           </a14:hiddenLine>
                         </a:ext>
                         <a:ext uri="{AF507438-7753-43e0-B8FC-AC1667EBCBE1}">
-                          <a14:hiddenEffects xmlns:a14="http://schemas.microsoft.com/office/drawing/2010/main" xmlns="">
+                          <a14:hiddenEffects xmlns="" xmlns:a14="http://schemas.microsoft.com/office/drawing/2010/main">
                             <a:effectLst>
                               <a:outerShdw blurRad="63500" dist="38099" dir="2700000" algn="ctr" rotWithShape="0">
                                 <a:schemeClr val="bg2">
@@ -36040,7 +36033,7 @@
           <a:graphicData uri="http://schemas.openxmlformats.org/presentationml/2006/ole">
             <mc:AlternateContent xmlns:mc="http://schemas.openxmlformats.org/markup-compatibility/2006">
               <mc:Choice xmlns:v="urn:schemas-microsoft-com:vml" Requires="v">
-                <p:oleObj spid="_x0000_s34827" name="Equation" r:id="rId5" imgW="126720" imgH="164880" progId="Equation.3">
+                <p:oleObj spid="_x0000_s34830" name="Equation" r:id="rId5" imgW="126720" imgH="164880" progId="Equation.3">
                   <p:embed/>
                 </p:oleObj>
               </mc:Choice>
@@ -36083,14 +36076,14 @@
                       <a:effectLst/>
                       <a:extLst>
                         <a:ext uri="{909E8E84-426E-40dd-AFC4-6F175D3DCCD1}">
-                          <a14:hiddenFill xmlns:a14="http://schemas.microsoft.com/office/drawing/2010/main" xmlns="">
+                          <a14:hiddenFill xmlns="" xmlns:a14="http://schemas.microsoft.com/office/drawing/2010/main">
                             <a:solidFill>
                               <a:schemeClr val="accent1"/>
                             </a:solidFill>
                           </a14:hiddenFill>
                         </a:ext>
                         <a:ext uri="{91240B29-F687-4f45-9708-019B960494DF}">
-                          <a14:hiddenLine xmlns:a14="http://schemas.microsoft.com/office/drawing/2010/main" xmlns="" w="9525">
+                          <a14:hiddenLine xmlns="" xmlns:a14="http://schemas.microsoft.com/office/drawing/2010/main" w="9525">
                             <a:solidFill>
                               <a:schemeClr val="tx1"/>
                             </a:solidFill>
@@ -36100,7 +36093,7 @@
                           </a14:hiddenLine>
                         </a:ext>
                         <a:ext uri="{AF507438-7753-43e0-B8FC-AC1667EBCBE1}">
-                          <a14:hiddenEffects xmlns:a14="http://schemas.microsoft.com/office/drawing/2010/main" xmlns="">
+                          <a14:hiddenEffects xmlns="" xmlns:a14="http://schemas.microsoft.com/office/drawing/2010/main">
                             <a:effectLst>
                               <a:outerShdw blurRad="63500" dist="38099" dir="2700000" algn="ctr" rotWithShape="0">
                                 <a:schemeClr val="bg2">
@@ -36199,7 +36192,7 @@
           <a:graphicData uri="http://schemas.openxmlformats.org/presentationml/2006/ole">
             <mc:AlternateContent xmlns:mc="http://schemas.openxmlformats.org/markup-compatibility/2006">
               <mc:Choice xmlns:v="urn:schemas-microsoft-com:vml" Requires="v">
-                <p:oleObj spid="_x0000_s34828" name="Equation" r:id="rId9" imgW="1498320" imgH="533160" progId="Equation.3">
+                <p:oleObj spid="_x0000_s34831" name="Equation" r:id="rId9" imgW="1498320" imgH="533160" progId="Equation.3">
                   <p:embed/>
                 </p:oleObj>
               </mc:Choice>
@@ -36242,14 +36235,14 @@
                       <a:effectLst/>
                       <a:extLst>
                         <a:ext uri="{909E8E84-426E-40dd-AFC4-6F175D3DCCD1}">
-                          <a14:hiddenFill xmlns:a14="http://schemas.microsoft.com/office/drawing/2010/main" xmlns="">
+                          <a14:hiddenFill xmlns="" xmlns:a14="http://schemas.microsoft.com/office/drawing/2010/main">
                             <a:solidFill>
                               <a:schemeClr val="accent1"/>
                             </a:solidFill>
                           </a14:hiddenFill>
                         </a:ext>
                         <a:ext uri="{91240B29-F687-4f45-9708-019B960494DF}">
-                          <a14:hiddenLine xmlns:a14="http://schemas.microsoft.com/office/drawing/2010/main" xmlns="" w="9525">
+                          <a14:hiddenLine xmlns="" xmlns:a14="http://schemas.microsoft.com/office/drawing/2010/main" w="9525">
                             <a:solidFill>
                               <a:schemeClr val="tx1"/>
                             </a:solidFill>
@@ -36259,7 +36252,7 @@
                           </a14:hiddenLine>
                         </a:ext>
                         <a:ext uri="{AF507438-7753-43e0-B8FC-AC1667EBCBE1}">
-                          <a14:hiddenEffects xmlns:a14="http://schemas.microsoft.com/office/drawing/2010/main" xmlns="">
+                          <a14:hiddenEffects xmlns="" xmlns:a14="http://schemas.microsoft.com/office/drawing/2010/main">
                             <a:effectLst>
                               <a:outerShdw blurRad="63500" dist="38099" dir="2700000" algn="ctr" rotWithShape="0">
                                 <a:schemeClr val="bg2">
@@ -36294,7 +36287,7 @@
           <a:graphicData uri="http://schemas.openxmlformats.org/presentationml/2006/ole">
             <mc:AlternateContent xmlns:mc="http://schemas.openxmlformats.org/markup-compatibility/2006">
               <mc:Choice xmlns:v="urn:schemas-microsoft-com:vml" Requires="v">
-                <p:oleObj spid="_x0000_s34829" name="Equation" r:id="rId11" imgW="1282680" imgH="177480" progId="Equation.3">
+                <p:oleObj spid="_x0000_s34832" name="Equation" r:id="rId11" imgW="1282680" imgH="177480" progId="Equation.3">
                   <p:embed/>
                 </p:oleObj>
               </mc:Choice>
@@ -36337,14 +36330,14 @@
                       <a:effectLst/>
                       <a:extLst>
                         <a:ext uri="{909E8E84-426E-40dd-AFC4-6F175D3DCCD1}">
-                          <a14:hiddenFill xmlns:a14="http://schemas.microsoft.com/office/drawing/2010/main" xmlns="">
+                          <a14:hiddenFill xmlns="" xmlns:a14="http://schemas.microsoft.com/office/drawing/2010/main">
                             <a:solidFill>
                               <a:schemeClr val="accent1"/>
                             </a:solidFill>
                           </a14:hiddenFill>
                         </a:ext>
                         <a:ext uri="{91240B29-F687-4f45-9708-019B960494DF}">
-                          <a14:hiddenLine xmlns:a14="http://schemas.microsoft.com/office/drawing/2010/main" xmlns="" w="9525">
+                          <a14:hiddenLine xmlns="" xmlns:a14="http://schemas.microsoft.com/office/drawing/2010/main" w="9525">
                             <a:solidFill>
                               <a:schemeClr val="tx1"/>
                             </a:solidFill>
@@ -36354,7 +36347,7 @@
                           </a14:hiddenLine>
                         </a:ext>
                         <a:ext uri="{AF507438-7753-43e0-B8FC-AC1667EBCBE1}">
-                          <a14:hiddenEffects xmlns:a14="http://schemas.microsoft.com/office/drawing/2010/main" xmlns="">
+                          <a14:hiddenEffects xmlns="" xmlns:a14="http://schemas.microsoft.com/office/drawing/2010/main">
                             <a:effectLst>
                               <a:outerShdw blurRad="63500" dist="38099" dir="2700000" algn="ctr" rotWithShape="0">
                                 <a:schemeClr val="bg2">
